--- a/2. Python.pptx
+++ b/2. Python.pptx
@@ -18,6 +18,17 @@
     <p:sldId id="266" r:id="rId12"/>
     <p:sldId id="267" r:id="rId13"/>
     <p:sldId id="268" r:id="rId14"/>
+    <p:sldId id="269" r:id="rId15"/>
+    <p:sldId id="270" r:id="rId16"/>
+    <p:sldId id="271" r:id="rId17"/>
+    <p:sldId id="272" r:id="rId18"/>
+    <p:sldId id="273" r:id="rId19"/>
+    <p:sldId id="274" r:id="rId20"/>
+    <p:sldId id="276" r:id="rId21"/>
+    <p:sldId id="277" r:id="rId22"/>
+    <p:sldId id="275" r:id="rId23"/>
+    <p:sldId id="278" r:id="rId24"/>
+    <p:sldId id="279" r:id="rId25"/>
   </p:sldIdLst>
   <p:sldSz cx="12192000" cy="6858000"/>
   <p:notesSz cx="6858000" cy="9144000"/>
@@ -340,7 +351,7 @@
           <a:p>
             <a:fld id="{4AAD347D-5ACD-4C99-B74B-A9C85AD731AF}" type="datetimeFigureOut">
               <a:rPr lang="en-US" dirty="0"/>
-              <a:t>12/22/2017</a:t>
+              <a:t>12/25/2017</a:t>
             </a:fld>
             <a:endParaRPr lang="en-US" dirty="0"/>
           </a:p>
@@ -610,7 +621,7 @@
           <a:p>
             <a:fld id="{4509A250-FF31-4206-8172-F9D3106AACB1}" type="datetimeFigureOut">
               <a:rPr lang="en-US" dirty="0"/>
-              <a:t>12/22/2017</a:t>
+              <a:t>12/25/2017</a:t>
             </a:fld>
             <a:endParaRPr lang="en-US" dirty="0"/>
           </a:p>
@@ -799,7 +810,7 @@
           <a:p>
             <a:fld id="{4509A250-FF31-4206-8172-F9D3106AACB1}" type="datetimeFigureOut">
               <a:rPr lang="en-US" dirty="0"/>
-              <a:t>12/22/2017</a:t>
+              <a:t>12/25/2017</a:t>
             </a:fld>
             <a:endParaRPr lang="en-US" dirty="0"/>
           </a:p>
@@ -1067,7 +1078,7 @@
           <a:p>
             <a:fld id="{4509A250-FF31-4206-8172-F9D3106AACB1}" type="datetimeFigureOut">
               <a:rPr lang="en-US" dirty="0"/>
-              <a:t>12/22/2017</a:t>
+              <a:t>12/25/2017</a:t>
             </a:fld>
             <a:endParaRPr lang="en-US" dirty="0"/>
           </a:p>
@@ -1403,7 +1414,7 @@
           <a:p>
             <a:fld id="{4509A250-FF31-4206-8172-F9D3106AACB1}" type="datetimeFigureOut">
               <a:rPr lang="en-US" dirty="0"/>
-              <a:t>12/22/2017</a:t>
+              <a:t>12/25/2017</a:t>
             </a:fld>
             <a:endParaRPr lang="en-US" dirty="0"/>
           </a:p>
@@ -2021,7 +2032,7 @@
           <a:p>
             <a:fld id="{4509A250-FF31-4206-8172-F9D3106AACB1}" type="datetimeFigureOut">
               <a:rPr lang="en-US" dirty="0"/>
-              <a:t>12/22/2017</a:t>
+              <a:t>12/25/2017</a:t>
             </a:fld>
             <a:endParaRPr lang="en-US" dirty="0"/>
           </a:p>
@@ -2876,7 +2887,7 @@
           <a:p>
             <a:fld id="{4509A250-FF31-4206-8172-F9D3106AACB1}" type="datetimeFigureOut">
               <a:rPr lang="en-US" dirty="0"/>
-              <a:t>12/22/2017</a:t>
+              <a:t>12/25/2017</a:t>
             </a:fld>
             <a:endParaRPr lang="en-US" dirty="0"/>
           </a:p>
@@ -3041,7 +3052,7 @@
           <a:p>
             <a:fld id="{4509A250-FF31-4206-8172-F9D3106AACB1}" type="datetimeFigureOut">
               <a:rPr lang="en-US" dirty="0"/>
-              <a:t>12/22/2017</a:t>
+              <a:t>12/25/2017</a:t>
             </a:fld>
             <a:endParaRPr lang="en-US" dirty="0"/>
           </a:p>
@@ -3216,7 +3227,7 @@
           <a:p>
             <a:fld id="{4509A250-FF31-4206-8172-F9D3106AACB1}" type="datetimeFigureOut">
               <a:rPr lang="en-US" dirty="0"/>
-              <a:t>12/22/2017</a:t>
+              <a:t>12/25/2017</a:t>
             </a:fld>
             <a:endParaRPr lang="en-US" dirty="0"/>
           </a:p>
@@ -3381,7 +3392,7 @@
           <a:p>
             <a:fld id="{4509A250-FF31-4206-8172-F9D3106AACB1}" type="datetimeFigureOut">
               <a:rPr lang="en-US" dirty="0"/>
-              <a:t>12/22/2017</a:t>
+              <a:t>12/25/2017</a:t>
             </a:fld>
             <a:endParaRPr lang="en-US" dirty="0"/>
           </a:p>
@@ -3623,7 +3634,7 @@
           <a:p>
             <a:fld id="{9796027F-7875-4030-9381-8BD8C4F21935}" type="datetimeFigureOut">
               <a:rPr lang="en-US" dirty="0"/>
-              <a:t>12/22/2017</a:t>
+              <a:t>12/25/2017</a:t>
             </a:fld>
             <a:endParaRPr lang="en-US" dirty="0"/>
           </a:p>
@@ -3910,7 +3921,7 @@
           <a:p>
             <a:fld id="{9796027F-7875-4030-9381-8BD8C4F21935}" type="datetimeFigureOut">
               <a:rPr lang="en-US" dirty="0"/>
-              <a:t>12/22/2017</a:t>
+              <a:t>12/25/2017</a:t>
             </a:fld>
             <a:endParaRPr lang="en-US" dirty="0"/>
           </a:p>
@@ -4349,7 +4360,7 @@
           <a:p>
             <a:fld id="{9796027F-7875-4030-9381-8BD8C4F21935}" type="datetimeFigureOut">
               <a:rPr lang="en-US" dirty="0"/>
-              <a:t>12/22/2017</a:t>
+              <a:t>12/25/2017</a:t>
             </a:fld>
             <a:endParaRPr lang="en-US" dirty="0"/>
           </a:p>
@@ -4462,7 +4473,7 @@
           <a:p>
             <a:fld id="{4509A250-FF31-4206-8172-F9D3106AACB1}" type="datetimeFigureOut">
               <a:rPr lang="en-US" dirty="0"/>
-              <a:t>12/22/2017</a:t>
+              <a:t>12/25/2017</a:t>
             </a:fld>
             <a:endParaRPr lang="en-US" dirty="0"/>
           </a:p>
@@ -4552,7 +4563,7 @@
           <a:p>
             <a:fld id="{4509A250-FF31-4206-8172-F9D3106AACB1}" type="datetimeFigureOut">
               <a:rPr lang="en-US" dirty="0"/>
-              <a:t>12/22/2017</a:t>
+              <a:t>12/25/2017</a:t>
             </a:fld>
             <a:endParaRPr lang="en-US" dirty="0"/>
           </a:p>
@@ -4826,7 +4837,7 @@
           <a:p>
             <a:fld id="{4509A250-FF31-4206-8172-F9D3106AACB1}" type="datetimeFigureOut">
               <a:rPr lang="en-US" dirty="0"/>
-              <a:t>12/22/2017</a:t>
+              <a:t>12/25/2017</a:t>
             </a:fld>
             <a:endParaRPr lang="en-US" dirty="0"/>
           </a:p>
@@ -5096,7 +5107,7 @@
           <a:p>
             <a:fld id="{4509A250-FF31-4206-8172-F9D3106AACB1}" type="datetimeFigureOut">
               <a:rPr lang="en-US" dirty="0"/>
-              <a:t>12/22/2017</a:t>
+              <a:t>12/25/2017</a:t>
             </a:fld>
             <a:endParaRPr lang="en-US" dirty="0"/>
           </a:p>
@@ -5520,7 +5531,7 @@
           <a:p>
             <a:fld id="{4AAD347D-5ACD-4C99-B74B-A9C85AD731AF}" type="datetimeFigureOut">
               <a:rPr lang="en-US" dirty="0"/>
-              <a:t>12/22/2017</a:t>
+              <a:t>12/25/2017</a:t>
             </a:fld>
             <a:endParaRPr lang="en-US" dirty="0"/>
           </a:p>
@@ -7338,6 +7349,1233 @@
 </p:sld>
 </file>
 
+<file path=ppt/slides/slide14.xml><?xml version="1.0" encoding="utf-8"?>
+<p:sld xmlns:a="http://schemas.openxmlformats.org/drawingml/2006/main" xmlns:r="http://schemas.openxmlformats.org/officeDocument/2006/relationships" xmlns:p="http://schemas.openxmlformats.org/presentationml/2006/main">
+  <p:cSld>
+    <p:spTree>
+      <p:nvGrpSpPr>
+        <p:cNvPr id="1" name=""/>
+        <p:cNvGrpSpPr/>
+        <p:nvPr/>
+      </p:nvGrpSpPr>
+      <p:grpSpPr>
+        <a:xfrm>
+          <a:off x="0" y="0"/>
+          <a:ext cx="0" cy="0"/>
+          <a:chOff x="0" y="0"/>
+          <a:chExt cx="0" cy="0"/>
+        </a:xfrm>
+      </p:grpSpPr>
+      <p:sp>
+        <p:nvSpPr>
+          <p:cNvPr id="2" name="Title 1">
+            <a:extLst>
+              <a:ext uri="{FF2B5EF4-FFF2-40B4-BE49-F238E27FC236}">
+                <a16:creationId xmlns:a16="http://schemas.microsoft.com/office/drawing/2014/main" id="{966B67B0-DEBA-485F-BC18-0490E25D1489}"/>
+              </a:ext>
+            </a:extLst>
+          </p:cNvPr>
+          <p:cNvSpPr>
+            <a:spLocks noGrp="1"/>
+          </p:cNvSpPr>
+          <p:nvPr>
+            <p:ph type="title"/>
+          </p:nvPr>
+        </p:nvSpPr>
+        <p:spPr>
+          <a:xfrm>
+            <a:off x="361792" y="1460883"/>
+            <a:ext cx="11455070" cy="3936233"/>
+          </a:xfrm>
+        </p:spPr>
+        <p:txBody>
+          <a:bodyPr/>
+          <a:lstStyle/>
+          <a:p>
+            <a:r>
+              <a:rPr lang="en-IN" dirty="0"/>
+              <a:t>Strings in Python</a:t>
+            </a:r>
+            <a:br>
+              <a:rPr lang="en-IN" dirty="0"/>
+            </a:br>
+            <a:br>
+              <a:rPr lang="en-IN" dirty="0"/>
+            </a:br>
+            <a:r>
+              <a:rPr lang="en-IN" dirty="0" err="1"/>
+              <a:t>Python</a:t>
+            </a:r>
+            <a:r>
+              <a:rPr lang="en-IN" dirty="0"/>
+              <a:t> is famous for its libraries for handling strings. One of the real value adds of python is its</a:t>
+            </a:r>
+            <a:br>
+              <a:rPr lang="en-IN" dirty="0"/>
+            </a:br>
+            <a:r>
+              <a:rPr lang="en-IN" dirty="0"/>
+              <a:t>ability to process strings</a:t>
+            </a:r>
+            <a:br>
+              <a:rPr lang="en-IN" dirty="0"/>
+            </a:br>
+            <a:br>
+              <a:rPr lang="en-IN" dirty="0"/>
+            </a:br>
+            <a:endParaRPr lang="en-IN" dirty="0"/>
+          </a:p>
+        </p:txBody>
+      </p:sp>
+    </p:spTree>
+    <p:extLst>
+      <p:ext uri="{BB962C8B-B14F-4D97-AF65-F5344CB8AC3E}">
+        <p14:creationId xmlns:p14="http://schemas.microsoft.com/office/powerpoint/2010/main" val="2850377812"/>
+      </p:ext>
+    </p:extLst>
+  </p:cSld>
+  <p:clrMapOvr>
+    <a:masterClrMapping/>
+  </p:clrMapOvr>
+</p:sld>
+</file>
+
+<file path=ppt/slides/slide15.xml><?xml version="1.0" encoding="utf-8"?>
+<p:sld xmlns:a="http://schemas.openxmlformats.org/drawingml/2006/main" xmlns:r="http://schemas.openxmlformats.org/officeDocument/2006/relationships" xmlns:p="http://schemas.openxmlformats.org/presentationml/2006/main">
+  <p:cSld>
+    <p:spTree>
+      <p:nvGrpSpPr>
+        <p:cNvPr id="1" name=""/>
+        <p:cNvGrpSpPr/>
+        <p:nvPr/>
+      </p:nvGrpSpPr>
+      <p:grpSpPr>
+        <a:xfrm>
+          <a:off x="0" y="0"/>
+          <a:ext cx="0" cy="0"/>
+          <a:chOff x="0" y="0"/>
+          <a:chExt cx="0" cy="0"/>
+        </a:xfrm>
+      </p:grpSpPr>
+      <p:sp>
+        <p:nvSpPr>
+          <p:cNvPr id="2" name="Title 1">
+            <a:extLst>
+              <a:ext uri="{FF2B5EF4-FFF2-40B4-BE49-F238E27FC236}">
+                <a16:creationId xmlns:a16="http://schemas.microsoft.com/office/drawing/2014/main" id="{10DBFD85-6D43-4D4C-B12D-7C5029A78BF2}"/>
+              </a:ext>
+            </a:extLst>
+          </p:cNvPr>
+          <p:cNvSpPr>
+            <a:spLocks noGrp="1"/>
+          </p:cNvSpPr>
+          <p:nvPr>
+            <p:ph type="title"/>
+          </p:nvPr>
+        </p:nvSpPr>
+        <p:spPr/>
+        <p:txBody>
+          <a:bodyPr/>
+          <a:lstStyle/>
+          <a:p>
+            <a:r>
+              <a:rPr lang="en-IN" dirty="0"/>
+              <a:t>What are strings </a:t>
+            </a:r>
+          </a:p>
+        </p:txBody>
+      </p:sp>
+      <p:sp>
+        <p:nvSpPr>
+          <p:cNvPr id="3" name="TextBox 2">
+            <a:extLst>
+              <a:ext uri="{FF2B5EF4-FFF2-40B4-BE49-F238E27FC236}">
+                <a16:creationId xmlns:a16="http://schemas.microsoft.com/office/drawing/2014/main" id="{FEF3B9ED-1C85-4430-BF1E-A8131976A308}"/>
+              </a:ext>
+            </a:extLst>
+          </p:cNvPr>
+          <p:cNvSpPr txBox="1"/>
+          <p:nvPr/>
+        </p:nvSpPr>
+        <p:spPr>
+          <a:xfrm>
+            <a:off x="646111" y="1577009"/>
+            <a:ext cx="9717089" cy="1938992"/>
+          </a:xfrm>
+          <a:prstGeom prst="rect">
+            <a:avLst/>
+          </a:prstGeom>
+          <a:noFill/>
+          <a:ln>
+            <a:solidFill>
+              <a:srgbClr val="FF0000"/>
+            </a:solidFill>
+          </a:ln>
+        </p:spPr>
+        <p:txBody>
+          <a:bodyPr wrap="square" rtlCol="0">
+            <a:spAutoFit/>
+          </a:bodyPr>
+          <a:lstStyle/>
+          <a:p>
+            <a:r>
+              <a:rPr lang="en-IN" sz="4000" dirty="0"/>
+              <a:t>A string is a sequence of characters   a sentence can be treated as string </a:t>
+            </a:r>
+          </a:p>
+          <a:p>
+            <a:r>
+              <a:rPr lang="en-IN" sz="4000" dirty="0" err="1"/>
+              <a:t>Eg</a:t>
+            </a:r>
+            <a:r>
+              <a:rPr lang="en-IN" sz="4000" dirty="0"/>
+              <a:t> “hello 123” is  string</a:t>
+            </a:r>
+          </a:p>
+        </p:txBody>
+      </p:sp>
+      <p:sp>
+        <p:nvSpPr>
+          <p:cNvPr id="4" name="TextBox 3">
+            <a:extLst>
+              <a:ext uri="{FF2B5EF4-FFF2-40B4-BE49-F238E27FC236}">
+                <a16:creationId xmlns:a16="http://schemas.microsoft.com/office/drawing/2014/main" id="{21C0A597-64B6-4DFE-9A54-49FD52A7B622}"/>
+              </a:ext>
+            </a:extLst>
+          </p:cNvPr>
+          <p:cNvSpPr txBox="1"/>
+          <p:nvPr/>
+        </p:nvSpPr>
+        <p:spPr>
+          <a:xfrm>
+            <a:off x="646111" y="4234375"/>
+            <a:ext cx="9890591" cy="2308324"/>
+          </a:xfrm>
+          <a:prstGeom prst="rect">
+            <a:avLst/>
+          </a:prstGeom>
+          <a:noFill/>
+          <a:ln>
+            <a:solidFill>
+              <a:srgbClr val="FF0000"/>
+            </a:solidFill>
+          </a:ln>
+        </p:spPr>
+        <p:txBody>
+          <a:bodyPr wrap="square" rtlCol="0">
+            <a:spAutoFit/>
+          </a:bodyPr>
+          <a:lstStyle/>
+          <a:p>
+            <a:r>
+              <a:rPr lang="en-IN" dirty="0"/>
+              <a:t>A set of characters enclosed between a single quote or double quote </a:t>
+            </a:r>
+          </a:p>
+          <a:p>
+            <a:r>
+              <a:rPr lang="en-IN" dirty="0" err="1"/>
+              <a:t>Eg</a:t>
+            </a:r>
+            <a:r>
+              <a:rPr lang="en-IN" dirty="0"/>
+              <a:t>:</a:t>
+            </a:r>
+          </a:p>
+          <a:p>
+            <a:endParaRPr lang="en-IN" dirty="0"/>
+          </a:p>
+          <a:p>
+            <a:r>
+              <a:rPr lang="en-IN" b="1" dirty="0">
+                <a:solidFill>
+                  <a:srgbClr val="FF0000"/>
+                </a:solidFill>
+              </a:rPr>
+              <a:t>“Hello how are you”</a:t>
+            </a:r>
+          </a:p>
+          <a:p>
+            <a:r>
+              <a:rPr lang="en-IN" dirty="0"/>
+              <a:t>       and </a:t>
+            </a:r>
+          </a:p>
+          <a:p>
+            <a:r>
+              <a:rPr lang="en-IN" b="1" dirty="0">
+                <a:solidFill>
+                  <a:srgbClr val="FF0000"/>
+                </a:solidFill>
+              </a:rPr>
+              <a:t> ‘Hello how are you’</a:t>
+            </a:r>
+          </a:p>
+          <a:p>
+            <a:endParaRPr lang="en-IN" dirty="0"/>
+          </a:p>
+          <a:p>
+            <a:r>
+              <a:rPr lang="en-IN" dirty="0"/>
+              <a:t>Means the same …………..</a:t>
+            </a:r>
+          </a:p>
+        </p:txBody>
+      </p:sp>
+    </p:spTree>
+    <p:extLst>
+      <p:ext uri="{BB962C8B-B14F-4D97-AF65-F5344CB8AC3E}">
+        <p14:creationId xmlns:p14="http://schemas.microsoft.com/office/powerpoint/2010/main" val="355138232"/>
+      </p:ext>
+    </p:extLst>
+  </p:cSld>
+  <p:clrMapOvr>
+    <a:masterClrMapping/>
+  </p:clrMapOvr>
+</p:sld>
+</file>
+
+<file path=ppt/slides/slide16.xml><?xml version="1.0" encoding="utf-8"?>
+<p:sld xmlns:a="http://schemas.openxmlformats.org/drawingml/2006/main" xmlns:r="http://schemas.openxmlformats.org/officeDocument/2006/relationships" xmlns:p="http://schemas.openxmlformats.org/presentationml/2006/main">
+  <p:cSld>
+    <p:spTree>
+      <p:nvGrpSpPr>
+        <p:cNvPr id="1" name=""/>
+        <p:cNvGrpSpPr/>
+        <p:nvPr/>
+      </p:nvGrpSpPr>
+      <p:grpSpPr>
+        <a:xfrm>
+          <a:off x="0" y="0"/>
+          <a:ext cx="0" cy="0"/>
+          <a:chOff x="0" y="0"/>
+          <a:chExt cx="0" cy="0"/>
+        </a:xfrm>
+      </p:grpSpPr>
+      <p:sp>
+        <p:nvSpPr>
+          <p:cNvPr id="2" name="Title 1">
+            <a:extLst>
+              <a:ext uri="{FF2B5EF4-FFF2-40B4-BE49-F238E27FC236}">
+                <a16:creationId xmlns:a16="http://schemas.microsoft.com/office/drawing/2014/main" id="{3684ECB9-4B98-4EC7-A9C9-AB1FC5E775F7}"/>
+              </a:ext>
+            </a:extLst>
+          </p:cNvPr>
+          <p:cNvSpPr txBox="1">
+            <a:spLocks/>
+          </p:cNvSpPr>
+          <p:nvPr/>
+        </p:nvSpPr>
+        <p:spPr>
+          <a:xfrm>
+            <a:off x="646111" y="452718"/>
+            <a:ext cx="9404723" cy="1400530"/>
+          </a:xfrm>
+          <a:prstGeom prst="rect">
+            <a:avLst/>
+          </a:prstGeom>
+        </p:spPr>
+        <p:txBody>
+          <a:bodyPr/>
+          <a:lstStyle>
+            <a:lvl1pPr algn="l" defTabSz="457200" rtl="0" eaLnBrk="1" latinLnBrk="0" hangingPunct="1">
+              <a:spcBef>
+                <a:spcPct val="0"/>
+              </a:spcBef>
+              <a:buNone/>
+              <a:defRPr sz="4200" b="0" i="0" kern="1200">
+                <a:solidFill>
+                  <a:schemeClr val="tx2"/>
+                </a:solidFill>
+                <a:latin typeface="+mj-lt"/>
+                <a:ea typeface="+mj-ea"/>
+                <a:cs typeface="+mj-cs"/>
+              </a:defRPr>
+            </a:lvl1pPr>
+            <a:lvl2pPr eaLnBrk="1" hangingPunct="1">
+              <a:defRPr>
+                <a:solidFill>
+                  <a:schemeClr val="tx2"/>
+                </a:solidFill>
+              </a:defRPr>
+            </a:lvl2pPr>
+            <a:lvl3pPr eaLnBrk="1" hangingPunct="1">
+              <a:defRPr>
+                <a:solidFill>
+                  <a:schemeClr val="tx2"/>
+                </a:solidFill>
+              </a:defRPr>
+            </a:lvl3pPr>
+            <a:lvl4pPr eaLnBrk="1" hangingPunct="1">
+              <a:defRPr>
+                <a:solidFill>
+                  <a:schemeClr val="tx2"/>
+                </a:solidFill>
+              </a:defRPr>
+            </a:lvl4pPr>
+            <a:lvl5pPr eaLnBrk="1" hangingPunct="1">
+              <a:defRPr>
+                <a:solidFill>
+                  <a:schemeClr val="tx2"/>
+                </a:solidFill>
+              </a:defRPr>
+            </a:lvl5pPr>
+            <a:lvl6pPr eaLnBrk="1" hangingPunct="1">
+              <a:defRPr>
+                <a:solidFill>
+                  <a:schemeClr val="tx2"/>
+                </a:solidFill>
+              </a:defRPr>
+            </a:lvl6pPr>
+            <a:lvl7pPr eaLnBrk="1" hangingPunct="1">
+              <a:defRPr>
+                <a:solidFill>
+                  <a:schemeClr val="tx2"/>
+                </a:solidFill>
+              </a:defRPr>
+            </a:lvl7pPr>
+            <a:lvl8pPr eaLnBrk="1" hangingPunct="1">
+              <a:defRPr>
+                <a:solidFill>
+                  <a:schemeClr val="tx2"/>
+                </a:solidFill>
+              </a:defRPr>
+            </a:lvl8pPr>
+            <a:lvl9pPr eaLnBrk="1" hangingPunct="1">
+              <a:defRPr>
+                <a:solidFill>
+                  <a:schemeClr val="tx2"/>
+                </a:solidFill>
+              </a:defRPr>
+            </a:lvl9pPr>
+          </a:lstStyle>
+          <a:p>
+            <a:r>
+              <a:rPr lang="en-IN" dirty="0"/>
+              <a:t>Python allows you specify string across multiple Physical lines</a:t>
+            </a:r>
+          </a:p>
+        </p:txBody>
+      </p:sp>
+      <p:sp>
+        <p:nvSpPr>
+          <p:cNvPr id="3" name="TextBox 2">
+            <a:extLst>
+              <a:ext uri="{FF2B5EF4-FFF2-40B4-BE49-F238E27FC236}">
+                <a16:creationId xmlns:a16="http://schemas.microsoft.com/office/drawing/2014/main" id="{5065DBA3-0B76-405D-99C0-965A8D6558EA}"/>
+              </a:ext>
+            </a:extLst>
+          </p:cNvPr>
+          <p:cNvSpPr txBox="1"/>
+          <p:nvPr/>
+        </p:nvSpPr>
+        <p:spPr>
+          <a:xfrm>
+            <a:off x="433753" y="2053883"/>
+            <a:ext cx="11324493" cy="4247317"/>
+          </a:xfrm>
+          <a:prstGeom prst="rect">
+            <a:avLst/>
+          </a:prstGeom>
+          <a:noFill/>
+        </p:spPr>
+        <p:txBody>
+          <a:bodyPr wrap="square" rtlCol="0">
+            <a:spAutoFit/>
+          </a:bodyPr>
+          <a:lstStyle/>
+          <a:p>
+            <a:r>
+              <a:rPr lang="en-IN" dirty="0"/>
+              <a:t>Let us say you want to have a large sentence of paragraph as a single string in python. Normally when you type such a long sentence it will be spread across multiple physical lines in your source code. </a:t>
+            </a:r>
+          </a:p>
+          <a:p>
+            <a:endParaRPr lang="en-IN" dirty="0"/>
+          </a:p>
+          <a:p>
+            <a:r>
+              <a:rPr lang="en-IN" dirty="0"/>
+              <a:t>To support large string which are spread across multiple lines we can use triple Quotes, Example is</a:t>
+            </a:r>
+          </a:p>
+          <a:p>
+            <a:endParaRPr lang="en-IN" dirty="0"/>
+          </a:p>
+          <a:p>
+            <a:r>
+              <a:rPr lang="en-IN" dirty="0"/>
+              <a:t>‘’’ Python is an excelled programming language this was first developed as Hobby by a Dutch programmer by name </a:t>
+            </a:r>
+            <a:r>
+              <a:rPr lang="en-IN" b="1" dirty="0"/>
+              <a:t>Guido van Rossum. </a:t>
+            </a:r>
+            <a:r>
+              <a:rPr lang="en-IN" dirty="0"/>
+              <a:t>His aim was to develop a programming language for everyone’’’   (Using Single Quote)</a:t>
+            </a:r>
+          </a:p>
+          <a:p>
+            <a:endParaRPr lang="en-IN" dirty="0"/>
+          </a:p>
+          <a:p>
+            <a:r>
+              <a:rPr lang="en-IN" dirty="0"/>
+              <a:t>The same can be written as  (Using double quotes)</a:t>
+            </a:r>
+          </a:p>
+          <a:p>
+            <a:r>
+              <a:rPr lang="en-IN" dirty="0"/>
+              <a:t>“””  Python is an excelled programming language this was first developed as Hobby by a Dutch programmer by name </a:t>
+            </a:r>
+            <a:r>
+              <a:rPr lang="en-IN" b="1" dirty="0"/>
+              <a:t>Guido van Rossum. </a:t>
+            </a:r>
+            <a:r>
+              <a:rPr lang="en-IN" dirty="0"/>
+              <a:t>His aim was to develop a programming language for everyone “”” </a:t>
+            </a:r>
+          </a:p>
+          <a:p>
+            <a:endParaRPr lang="en-IN" dirty="0"/>
+          </a:p>
+        </p:txBody>
+      </p:sp>
+    </p:spTree>
+    <p:extLst>
+      <p:ext uri="{BB962C8B-B14F-4D97-AF65-F5344CB8AC3E}">
+        <p14:creationId xmlns:p14="http://schemas.microsoft.com/office/powerpoint/2010/main" val="1709865950"/>
+      </p:ext>
+    </p:extLst>
+  </p:cSld>
+  <p:clrMapOvr>
+    <a:masterClrMapping/>
+  </p:clrMapOvr>
+</p:sld>
+</file>
+
+<file path=ppt/slides/slide17.xml><?xml version="1.0" encoding="utf-8"?>
+<p:sld xmlns:a="http://schemas.openxmlformats.org/drawingml/2006/main" xmlns:r="http://schemas.openxmlformats.org/officeDocument/2006/relationships" xmlns:p="http://schemas.openxmlformats.org/presentationml/2006/main">
+  <p:cSld>
+    <p:spTree>
+      <p:nvGrpSpPr>
+        <p:cNvPr id="1" name=""/>
+        <p:cNvGrpSpPr/>
+        <p:nvPr/>
+      </p:nvGrpSpPr>
+      <p:grpSpPr>
+        <a:xfrm>
+          <a:off x="0" y="0"/>
+          <a:ext cx="0" cy="0"/>
+          <a:chOff x="0" y="0"/>
+          <a:chExt cx="0" cy="0"/>
+        </a:xfrm>
+      </p:grpSpPr>
+      <p:sp>
+        <p:nvSpPr>
+          <p:cNvPr id="2" name="Title 1">
+            <a:extLst>
+              <a:ext uri="{FF2B5EF4-FFF2-40B4-BE49-F238E27FC236}">
+                <a16:creationId xmlns:a16="http://schemas.microsoft.com/office/drawing/2014/main" id="{A1F4B66A-BCE4-4AA3-A974-E60F3B0610E6}"/>
+              </a:ext>
+            </a:extLst>
+          </p:cNvPr>
+          <p:cNvSpPr>
+            <a:spLocks noGrp="1"/>
+          </p:cNvSpPr>
+          <p:nvPr>
+            <p:ph type="title"/>
+          </p:nvPr>
+        </p:nvSpPr>
+        <p:spPr>
+          <a:xfrm>
+            <a:off x="646111" y="452718"/>
+            <a:ext cx="9404723" cy="757104"/>
+          </a:xfrm>
+        </p:spPr>
+        <p:txBody>
+          <a:bodyPr/>
+          <a:lstStyle/>
+          <a:p>
+            <a:r>
+              <a:rPr lang="en-IN" dirty="0"/>
+              <a:t>Declaring  string</a:t>
+            </a:r>
+          </a:p>
+        </p:txBody>
+      </p:sp>
+      <p:sp>
+        <p:nvSpPr>
+          <p:cNvPr id="3" name="TextBox 2">
+            <a:extLst>
+              <a:ext uri="{FF2B5EF4-FFF2-40B4-BE49-F238E27FC236}">
+                <a16:creationId xmlns:a16="http://schemas.microsoft.com/office/drawing/2014/main" id="{3FF3A135-6599-4158-9A39-AB82B7ED078B}"/>
+              </a:ext>
+            </a:extLst>
+          </p:cNvPr>
+          <p:cNvSpPr txBox="1"/>
+          <p:nvPr/>
+        </p:nvSpPr>
+        <p:spPr>
+          <a:xfrm>
+            <a:off x="646111" y="1519311"/>
+            <a:ext cx="10819058" cy="1754326"/>
+          </a:xfrm>
+          <a:prstGeom prst="rect">
+            <a:avLst/>
+          </a:prstGeom>
+          <a:noFill/>
+          <a:ln>
+            <a:solidFill>
+              <a:srgbClr val="FF0000"/>
+            </a:solidFill>
+          </a:ln>
+        </p:spPr>
+        <p:txBody>
+          <a:bodyPr wrap="square" rtlCol="0">
+            <a:spAutoFit/>
+          </a:bodyPr>
+          <a:lstStyle/>
+          <a:p>
+            <a:r>
+              <a:rPr lang="en-IN" dirty="0"/>
+              <a:t>There is no particular data type reserved for string in python the moment when a variable is initialized the type is also allocated. </a:t>
+            </a:r>
+          </a:p>
+          <a:p>
+            <a:endParaRPr lang="en-IN" dirty="0"/>
+          </a:p>
+          <a:p>
+            <a:r>
+              <a:rPr lang="en-IN" dirty="0" err="1"/>
+              <a:t>myName</a:t>
+            </a:r>
+            <a:r>
+              <a:rPr lang="en-IN" dirty="0"/>
+              <a:t> = “Vimal Kumar”  </a:t>
+            </a:r>
+          </a:p>
+          <a:p>
+            <a:endParaRPr lang="en-IN" dirty="0"/>
+          </a:p>
+          <a:p>
+            <a:r>
+              <a:rPr lang="en-IN" dirty="0"/>
+              <a:t>A string variable by name </a:t>
+            </a:r>
+            <a:r>
+              <a:rPr lang="en-IN" dirty="0" err="1"/>
+              <a:t>myName</a:t>
+            </a:r>
+            <a:r>
+              <a:rPr lang="en-IN" dirty="0"/>
+              <a:t> is created and initialized</a:t>
+            </a:r>
+          </a:p>
+        </p:txBody>
+      </p:sp>
+    </p:spTree>
+    <p:extLst>
+      <p:ext uri="{BB962C8B-B14F-4D97-AF65-F5344CB8AC3E}">
+        <p14:creationId xmlns:p14="http://schemas.microsoft.com/office/powerpoint/2010/main" val="3601423731"/>
+      </p:ext>
+    </p:extLst>
+  </p:cSld>
+  <p:clrMapOvr>
+    <a:masterClrMapping/>
+  </p:clrMapOvr>
+</p:sld>
+</file>
+
+<file path=ppt/slides/slide18.xml><?xml version="1.0" encoding="utf-8"?>
+<p:sld xmlns:a="http://schemas.openxmlformats.org/drawingml/2006/main" xmlns:r="http://schemas.openxmlformats.org/officeDocument/2006/relationships" xmlns:p="http://schemas.openxmlformats.org/presentationml/2006/main">
+  <p:cSld>
+    <p:spTree>
+      <p:nvGrpSpPr>
+        <p:cNvPr id="1" name=""/>
+        <p:cNvGrpSpPr/>
+        <p:nvPr/>
+      </p:nvGrpSpPr>
+      <p:grpSpPr>
+        <a:xfrm>
+          <a:off x="0" y="0"/>
+          <a:ext cx="0" cy="0"/>
+          <a:chOff x="0" y="0"/>
+          <a:chExt cx="0" cy="0"/>
+        </a:xfrm>
+      </p:grpSpPr>
+      <p:sp>
+        <p:nvSpPr>
+          <p:cNvPr id="2" name="Title 1">
+            <a:extLst>
+              <a:ext uri="{FF2B5EF4-FFF2-40B4-BE49-F238E27FC236}">
+                <a16:creationId xmlns:a16="http://schemas.microsoft.com/office/drawing/2014/main" id="{FD13A9CC-F010-4D0D-B7D8-B5B87F76350D}"/>
+              </a:ext>
+            </a:extLst>
+          </p:cNvPr>
+          <p:cNvSpPr>
+            <a:spLocks noGrp="1"/>
+          </p:cNvSpPr>
+          <p:nvPr>
+            <p:ph type="title"/>
+          </p:nvPr>
+        </p:nvSpPr>
+        <p:spPr>
+          <a:xfrm>
+            <a:off x="646111" y="452718"/>
+            <a:ext cx="9404723" cy="897780"/>
+          </a:xfrm>
+        </p:spPr>
+        <p:txBody>
+          <a:bodyPr/>
+          <a:lstStyle/>
+          <a:p>
+            <a:r>
+              <a:rPr lang="en-IN" dirty="0"/>
+              <a:t>Formatting a string</a:t>
+            </a:r>
+          </a:p>
+        </p:txBody>
+      </p:sp>
+      <p:sp>
+        <p:nvSpPr>
+          <p:cNvPr id="3" name="TextBox 2">
+            <a:extLst>
+              <a:ext uri="{FF2B5EF4-FFF2-40B4-BE49-F238E27FC236}">
+                <a16:creationId xmlns:a16="http://schemas.microsoft.com/office/drawing/2014/main" id="{49642AEA-60CA-45CA-B0DA-4A4C7EC98FE4}"/>
+              </a:ext>
+            </a:extLst>
+          </p:cNvPr>
+          <p:cNvSpPr txBox="1"/>
+          <p:nvPr/>
+        </p:nvSpPr>
+        <p:spPr>
+          <a:xfrm>
+            <a:off x="630200" y="1350498"/>
+            <a:ext cx="10931600" cy="5078313"/>
+          </a:xfrm>
+          <a:prstGeom prst="rect">
+            <a:avLst/>
+          </a:prstGeom>
+          <a:noFill/>
+        </p:spPr>
+        <p:txBody>
+          <a:bodyPr wrap="square" rtlCol="0">
+            <a:spAutoFit/>
+          </a:bodyPr>
+          <a:lstStyle/>
+          <a:p>
+            <a:r>
+              <a:rPr lang="en-IN" dirty="0"/>
+              <a:t>It is not always possible to create string with all the data at the beginning. Let us say we want to create a string with name and age of a person as follows</a:t>
+            </a:r>
+          </a:p>
+          <a:p>
+            <a:endParaRPr lang="en-IN" dirty="0"/>
+          </a:p>
+          <a:p>
+            <a:r>
+              <a:rPr lang="en-IN" dirty="0"/>
+              <a:t>Sentence = “Student </a:t>
+            </a:r>
+            <a:r>
+              <a:rPr lang="en-IN" dirty="0">
+                <a:solidFill>
+                  <a:srgbClr val="FF0000"/>
+                </a:solidFill>
+              </a:rPr>
+              <a:t>Kumar</a:t>
+            </a:r>
+            <a:r>
+              <a:rPr lang="en-IN" dirty="0"/>
+              <a:t> is </a:t>
+            </a:r>
+            <a:r>
+              <a:rPr lang="en-IN" dirty="0">
+                <a:solidFill>
+                  <a:srgbClr val="FF0000"/>
+                </a:solidFill>
+              </a:rPr>
+              <a:t>20</a:t>
+            </a:r>
+            <a:r>
+              <a:rPr lang="en-IN" dirty="0"/>
+              <a:t> years old”</a:t>
+            </a:r>
+          </a:p>
+          <a:p>
+            <a:endParaRPr lang="en-IN" dirty="0"/>
+          </a:p>
+          <a:p>
+            <a:r>
+              <a:rPr lang="en-IN" dirty="0"/>
+              <a:t>In this case the name “</a:t>
+            </a:r>
+            <a:r>
+              <a:rPr lang="en-IN" dirty="0" err="1"/>
+              <a:t>Kumar”and</a:t>
+            </a:r>
+            <a:r>
+              <a:rPr lang="en-IN" dirty="0"/>
+              <a:t> his age “20”come from a data file or from a variable. How do we create and print string like this.</a:t>
+            </a:r>
+          </a:p>
+          <a:p>
+            <a:endParaRPr lang="en-IN" dirty="0"/>
+          </a:p>
+          <a:p>
+            <a:r>
+              <a:rPr lang="en-IN" dirty="0"/>
+              <a:t>This is the string API in python is used. Python strings has a in build API called format() the way it is used is </a:t>
+            </a:r>
+          </a:p>
+          <a:p>
+            <a:endParaRPr lang="en-IN" dirty="0"/>
+          </a:p>
+          <a:p>
+            <a:r>
+              <a:rPr lang="en-IN" dirty="0"/>
+              <a:t>name = “Kumar”</a:t>
+            </a:r>
+          </a:p>
+          <a:p>
+            <a:r>
+              <a:rPr lang="en-IN" dirty="0"/>
+              <a:t>age  = 20</a:t>
+            </a:r>
+          </a:p>
+          <a:p>
+            <a:r>
+              <a:rPr lang="en-IN" dirty="0"/>
+              <a:t>Sentence = “Student </a:t>
+            </a:r>
+            <a:r>
+              <a:rPr lang="en-IN" b="1" dirty="0">
+                <a:solidFill>
+                  <a:srgbClr val="FF0000"/>
+                </a:solidFill>
+              </a:rPr>
+              <a:t>{0}</a:t>
+            </a:r>
+            <a:r>
+              <a:rPr lang="en-IN" dirty="0">
+                <a:solidFill>
+                  <a:srgbClr val="FF0000"/>
+                </a:solidFill>
+              </a:rPr>
+              <a:t> </a:t>
+            </a:r>
+            <a:r>
+              <a:rPr lang="en-IN" dirty="0"/>
+              <a:t> is </a:t>
+            </a:r>
+            <a:r>
+              <a:rPr lang="en-IN" dirty="0">
+                <a:solidFill>
+                  <a:srgbClr val="FF0000"/>
+                </a:solidFill>
+              </a:rPr>
+              <a:t> </a:t>
+            </a:r>
+            <a:r>
+              <a:rPr lang="en-IN" b="1" dirty="0">
+                <a:solidFill>
+                  <a:srgbClr val="FF0000"/>
+                </a:solidFill>
+              </a:rPr>
+              <a:t>{1}</a:t>
+            </a:r>
+            <a:r>
+              <a:rPr lang="en-IN" dirty="0">
+                <a:solidFill>
+                  <a:srgbClr val="FF0000"/>
+                </a:solidFill>
+              </a:rPr>
+              <a:t> </a:t>
+            </a:r>
+            <a:r>
+              <a:rPr lang="en-IN" dirty="0"/>
+              <a:t> years </a:t>
+            </a:r>
+            <a:r>
+              <a:rPr lang="en-IN" dirty="0" err="1"/>
+              <a:t>old”.format</a:t>
+            </a:r>
+            <a:r>
+              <a:rPr lang="en-IN" dirty="0"/>
+              <a:t>(</a:t>
+            </a:r>
+            <a:r>
+              <a:rPr lang="en-IN" dirty="0" err="1"/>
+              <a:t>name,age</a:t>
+            </a:r>
+            <a:r>
+              <a:rPr lang="en-IN" dirty="0"/>
+              <a:t>)</a:t>
+            </a:r>
+          </a:p>
+          <a:p>
+            <a:endParaRPr lang="en-IN" dirty="0"/>
+          </a:p>
+          <a:p>
+            <a:r>
+              <a:rPr lang="en-IN" dirty="0"/>
+              <a:t>Here name is the zero-</a:t>
+            </a:r>
+            <a:r>
+              <a:rPr lang="en-IN" dirty="0" err="1"/>
+              <a:t>th</a:t>
+            </a:r>
+            <a:r>
+              <a:rPr lang="en-IN" dirty="0"/>
+              <a:t> argument and age is the first argument, each argument is substituted in the string as per the format specification. Format specification is mentioned using </a:t>
+            </a:r>
+            <a:r>
+              <a:rPr lang="en-IN" dirty="0">
+                <a:solidFill>
+                  <a:srgbClr val="FF0000"/>
+                </a:solidFill>
+              </a:rPr>
+              <a:t>{}</a:t>
+            </a:r>
+            <a:r>
+              <a:rPr lang="en-IN" dirty="0"/>
+              <a:t> brackets</a:t>
+            </a:r>
+          </a:p>
+          <a:p>
+            <a:endParaRPr lang="en-IN" dirty="0"/>
+          </a:p>
+        </p:txBody>
+      </p:sp>
+    </p:spTree>
+    <p:extLst>
+      <p:ext uri="{BB962C8B-B14F-4D97-AF65-F5344CB8AC3E}">
+        <p14:creationId xmlns:p14="http://schemas.microsoft.com/office/powerpoint/2010/main" val="2486647488"/>
+      </p:ext>
+    </p:extLst>
+  </p:cSld>
+  <p:clrMapOvr>
+    <a:masterClrMapping/>
+  </p:clrMapOvr>
+</p:sld>
+</file>
+
+<file path=ppt/slides/slide19.xml><?xml version="1.0" encoding="utf-8"?>
+<p:sld xmlns:a="http://schemas.openxmlformats.org/drawingml/2006/main" xmlns:r="http://schemas.openxmlformats.org/officeDocument/2006/relationships" xmlns:p="http://schemas.openxmlformats.org/presentationml/2006/main">
+  <p:cSld>
+    <p:spTree>
+      <p:nvGrpSpPr>
+        <p:cNvPr id="1" name=""/>
+        <p:cNvGrpSpPr/>
+        <p:nvPr/>
+      </p:nvGrpSpPr>
+      <p:grpSpPr>
+        <a:xfrm>
+          <a:off x="0" y="0"/>
+          <a:ext cx="0" cy="0"/>
+          <a:chOff x="0" y="0"/>
+          <a:chExt cx="0" cy="0"/>
+        </a:xfrm>
+      </p:grpSpPr>
+      <p:sp>
+        <p:nvSpPr>
+          <p:cNvPr id="3" name="TextBox 2">
+            <a:extLst>
+              <a:ext uri="{FF2B5EF4-FFF2-40B4-BE49-F238E27FC236}">
+                <a16:creationId xmlns:a16="http://schemas.microsoft.com/office/drawing/2014/main" id="{671A13A9-8AB9-43D3-949A-3C8A5C2B87C2}"/>
+              </a:ext>
+            </a:extLst>
+          </p:cNvPr>
+          <p:cNvSpPr txBox="1"/>
+          <p:nvPr/>
+        </p:nvSpPr>
+        <p:spPr>
+          <a:xfrm>
+            <a:off x="492369" y="1209822"/>
+            <a:ext cx="10789920" cy="646331"/>
+          </a:xfrm>
+          <a:prstGeom prst="rect">
+            <a:avLst/>
+          </a:prstGeom>
+          <a:noFill/>
+        </p:spPr>
+        <p:txBody>
+          <a:bodyPr wrap="square" rtlCol="0">
+            <a:spAutoFit/>
+          </a:bodyPr>
+          <a:lstStyle/>
+          <a:p>
+            <a:r>
+              <a:rPr lang="en-IN" dirty="0"/>
+              <a:t>In case the argument numbers are ignored in the format specifier the default arguments will be supplied in the order</a:t>
+            </a:r>
+          </a:p>
+        </p:txBody>
+      </p:sp>
+      <p:sp>
+        <p:nvSpPr>
+          <p:cNvPr id="4" name="TextBox 3">
+            <a:extLst>
+              <a:ext uri="{FF2B5EF4-FFF2-40B4-BE49-F238E27FC236}">
+                <a16:creationId xmlns:a16="http://schemas.microsoft.com/office/drawing/2014/main" id="{5306C057-7A1F-4525-967B-8B1342126839}"/>
+              </a:ext>
+            </a:extLst>
+          </p:cNvPr>
+          <p:cNvSpPr txBox="1"/>
+          <p:nvPr/>
+        </p:nvSpPr>
+        <p:spPr>
+          <a:xfrm>
+            <a:off x="433754" y="2011680"/>
+            <a:ext cx="5446541" cy="3785652"/>
+          </a:xfrm>
+          <a:prstGeom prst="rect">
+            <a:avLst/>
+          </a:prstGeom>
+          <a:noFill/>
+          <a:ln>
+            <a:solidFill>
+              <a:srgbClr val="FF0000"/>
+            </a:solidFill>
+          </a:ln>
+        </p:spPr>
+        <p:txBody>
+          <a:bodyPr wrap="square" rtlCol="0">
+            <a:spAutoFit/>
+          </a:bodyPr>
+          <a:lstStyle/>
+          <a:p>
+            <a:r>
+              <a:rPr lang="en-IN" sz="1600" dirty="0"/>
+              <a:t>name = "Kumar"</a:t>
+            </a:r>
+          </a:p>
+          <a:p>
+            <a:r>
+              <a:rPr lang="en-IN" sz="1600" dirty="0"/>
+              <a:t>age  = 20</a:t>
+            </a:r>
+          </a:p>
+          <a:p>
+            <a:endParaRPr lang="en-IN" sz="1600" dirty="0"/>
+          </a:p>
+          <a:p>
+            <a:r>
+              <a:rPr lang="en-IN" sz="1600" dirty="0"/>
+              <a:t># with Argument in format specifiers</a:t>
+            </a:r>
+          </a:p>
+          <a:p>
+            <a:r>
+              <a:rPr lang="en-IN" sz="1600" dirty="0"/>
+              <a:t>sentence = "Student {0}  is  {1}  years </a:t>
+            </a:r>
+            <a:r>
+              <a:rPr lang="en-IN" sz="1600" dirty="0" err="1"/>
+              <a:t>old".format</a:t>
+            </a:r>
+            <a:r>
+              <a:rPr lang="en-IN" sz="1600" dirty="0"/>
+              <a:t>(</a:t>
+            </a:r>
+            <a:r>
+              <a:rPr lang="en-IN" sz="1600" dirty="0" err="1"/>
+              <a:t>name,age</a:t>
+            </a:r>
+            <a:r>
+              <a:rPr lang="en-IN" sz="1600" dirty="0"/>
+              <a:t>)</a:t>
+            </a:r>
+          </a:p>
+          <a:p>
+            <a:r>
+              <a:rPr lang="en-IN" sz="1600" dirty="0"/>
+              <a:t>print sentence</a:t>
+            </a:r>
+          </a:p>
+          <a:p>
+            <a:endParaRPr lang="en-IN" sz="1600" dirty="0"/>
+          </a:p>
+          <a:p>
+            <a:endParaRPr lang="en-IN" sz="1600" dirty="0"/>
+          </a:p>
+          <a:p>
+            <a:r>
+              <a:rPr lang="en-IN" sz="1600" dirty="0"/>
+              <a:t>name = "Anil"</a:t>
+            </a:r>
+          </a:p>
+          <a:p>
+            <a:r>
+              <a:rPr lang="en-IN" sz="1600" dirty="0"/>
+              <a:t>age  = 30</a:t>
+            </a:r>
+          </a:p>
+          <a:p>
+            <a:r>
+              <a:rPr lang="en-IN" sz="1600" dirty="0"/>
+              <a:t># without Argument in format specifiers</a:t>
+            </a:r>
+          </a:p>
+          <a:p>
+            <a:r>
+              <a:rPr lang="en-IN" sz="1600" dirty="0"/>
+              <a:t>sentence = "Student {}  is  {}  years </a:t>
+            </a:r>
+            <a:r>
+              <a:rPr lang="en-IN" sz="1600" dirty="0" err="1"/>
+              <a:t>old".format</a:t>
+            </a:r>
+            <a:r>
+              <a:rPr lang="en-IN" sz="1600" dirty="0"/>
+              <a:t>(</a:t>
+            </a:r>
+            <a:r>
+              <a:rPr lang="en-IN" sz="1600" dirty="0" err="1"/>
+              <a:t>name,age</a:t>
+            </a:r>
+            <a:r>
+              <a:rPr lang="en-IN" sz="1600" dirty="0"/>
+              <a:t>)</a:t>
+            </a:r>
+          </a:p>
+          <a:p>
+            <a:r>
+              <a:rPr lang="en-IN" sz="1600" dirty="0"/>
+              <a:t>print sentence</a:t>
+            </a:r>
+          </a:p>
+        </p:txBody>
+      </p:sp>
+      <p:sp>
+        <p:nvSpPr>
+          <p:cNvPr id="5" name="TextBox 4">
+            <a:extLst>
+              <a:ext uri="{FF2B5EF4-FFF2-40B4-BE49-F238E27FC236}">
+                <a16:creationId xmlns:a16="http://schemas.microsoft.com/office/drawing/2014/main" id="{0DFB351E-94E4-456B-B3D9-C37C93180688}"/>
+              </a:ext>
+            </a:extLst>
+          </p:cNvPr>
+          <p:cNvSpPr txBox="1"/>
+          <p:nvPr/>
+        </p:nvSpPr>
+        <p:spPr>
+          <a:xfrm>
+            <a:off x="6311705" y="2082018"/>
+            <a:ext cx="4590757" cy="2893100"/>
+          </a:xfrm>
+          <a:prstGeom prst="rect">
+            <a:avLst/>
+          </a:prstGeom>
+          <a:noFill/>
+          <a:ln>
+            <a:solidFill>
+              <a:srgbClr val="FF0000"/>
+            </a:solidFill>
+          </a:ln>
+        </p:spPr>
+        <p:txBody>
+          <a:bodyPr wrap="square" rtlCol="0">
+            <a:spAutoFit/>
+          </a:bodyPr>
+          <a:lstStyle/>
+          <a:p>
+            <a:r>
+              <a:rPr lang="en-IN" dirty="0"/>
+              <a:t>#  Argument in format specifiers orders # changed</a:t>
+            </a:r>
+          </a:p>
+          <a:p>
+            <a:r>
+              <a:rPr lang="en-IN" dirty="0"/>
+              <a:t>name = "Ravindra"</a:t>
+            </a:r>
+          </a:p>
+          <a:p>
+            <a:r>
+              <a:rPr lang="en-IN" dirty="0"/>
+              <a:t>age  = 30</a:t>
+            </a:r>
+          </a:p>
+          <a:p>
+            <a:r>
+              <a:rPr lang="en-IN" dirty="0"/>
+              <a:t>sport = "Runner"</a:t>
+            </a:r>
+          </a:p>
+          <a:p>
+            <a:endParaRPr lang="en-IN" dirty="0"/>
+          </a:p>
+          <a:p>
+            <a:r>
+              <a:rPr lang="en-IN" dirty="0"/>
+              <a:t>sentence = "{1} is a good {2} at the age of {0}".format(age, name, sport)</a:t>
+            </a:r>
+          </a:p>
+          <a:p>
+            <a:r>
+              <a:rPr lang="en-IN" dirty="0"/>
+              <a:t>print sentence</a:t>
+            </a:r>
+          </a:p>
+          <a:p>
+            <a:endParaRPr lang="en-IN" dirty="0"/>
+          </a:p>
+        </p:txBody>
+      </p:sp>
+      <p:sp>
+        <p:nvSpPr>
+          <p:cNvPr id="6" name="TextBox 5">
+            <a:extLst>
+              <a:ext uri="{FF2B5EF4-FFF2-40B4-BE49-F238E27FC236}">
+                <a16:creationId xmlns:a16="http://schemas.microsoft.com/office/drawing/2014/main" id="{914777CA-C810-42C6-8335-10C86A1D01CF}"/>
+              </a:ext>
+            </a:extLst>
+          </p:cNvPr>
+          <p:cNvSpPr txBox="1"/>
+          <p:nvPr/>
+        </p:nvSpPr>
+        <p:spPr>
+          <a:xfrm>
+            <a:off x="4825218" y="6119446"/>
+            <a:ext cx="2869810" cy="369332"/>
+          </a:xfrm>
+          <a:prstGeom prst="rect">
+            <a:avLst/>
+          </a:prstGeom>
+          <a:noFill/>
+        </p:spPr>
+        <p:txBody>
+          <a:bodyPr wrap="square" rtlCol="0">
+            <a:spAutoFit/>
+          </a:bodyPr>
+          <a:lstStyle/>
+          <a:p>
+            <a:r>
+              <a:rPr lang="en-IN" dirty="0"/>
+              <a:t>strformat.py</a:t>
+            </a:r>
+          </a:p>
+        </p:txBody>
+      </p:sp>
+    </p:spTree>
+    <p:extLst>
+      <p:ext uri="{BB962C8B-B14F-4D97-AF65-F5344CB8AC3E}">
+        <p14:creationId xmlns:p14="http://schemas.microsoft.com/office/powerpoint/2010/main" val="1836428842"/>
+      </p:ext>
+    </p:extLst>
+  </p:cSld>
+  <p:clrMapOvr>
+    <a:masterClrMapping/>
+  </p:clrMapOvr>
+</p:sld>
+</file>
+
 <file path=ppt/slides/slide2.xml><?xml version="1.0" encoding="utf-8"?>
 <p:sld xmlns:a="http://schemas.openxmlformats.org/drawingml/2006/main" xmlns:r="http://schemas.openxmlformats.org/officeDocument/2006/relationships" xmlns:p="http://schemas.openxmlformats.org/presentationml/2006/main">
   <p:cSld>
@@ -7485,6 +8723,1678 @@
     <p:extLst>
       <p:ext uri="{BB962C8B-B14F-4D97-AF65-F5344CB8AC3E}">
         <p14:creationId xmlns:p14="http://schemas.microsoft.com/office/powerpoint/2010/main" val="1573638334"/>
+      </p:ext>
+    </p:extLst>
+  </p:cSld>
+  <p:clrMapOvr>
+    <a:masterClrMapping/>
+  </p:clrMapOvr>
+</p:sld>
+</file>
+
+<file path=ppt/slides/slide20.xml><?xml version="1.0" encoding="utf-8"?>
+<p:sld xmlns:a="http://schemas.openxmlformats.org/drawingml/2006/main" xmlns:r="http://schemas.openxmlformats.org/officeDocument/2006/relationships" xmlns:p="http://schemas.openxmlformats.org/presentationml/2006/main">
+  <p:cSld>
+    <p:spTree>
+      <p:nvGrpSpPr>
+        <p:cNvPr id="1" name=""/>
+        <p:cNvGrpSpPr/>
+        <p:nvPr/>
+      </p:nvGrpSpPr>
+      <p:grpSpPr>
+        <a:xfrm>
+          <a:off x="0" y="0"/>
+          <a:ext cx="0" cy="0"/>
+          <a:chOff x="0" y="0"/>
+          <a:chExt cx="0" cy="0"/>
+        </a:xfrm>
+      </p:grpSpPr>
+      <p:sp>
+        <p:nvSpPr>
+          <p:cNvPr id="2" name="Title 1">
+            <a:extLst>
+              <a:ext uri="{FF2B5EF4-FFF2-40B4-BE49-F238E27FC236}">
+                <a16:creationId xmlns:a16="http://schemas.microsoft.com/office/drawing/2014/main" id="{88C20AD0-F3EB-4374-83A3-1BD72F0FCF47}"/>
+              </a:ext>
+            </a:extLst>
+          </p:cNvPr>
+          <p:cNvSpPr>
+            <a:spLocks noGrp="1"/>
+          </p:cNvSpPr>
+          <p:nvPr>
+            <p:ph type="title"/>
+          </p:nvPr>
+        </p:nvSpPr>
+        <p:spPr/>
+        <p:txBody>
+          <a:bodyPr/>
+          <a:lstStyle/>
+          <a:p>
+            <a:r>
+              <a:rPr lang="en-IN" dirty="0"/>
+              <a:t>Format() </a:t>
+            </a:r>
+            <a:r>
+              <a:rPr lang="en-IN" dirty="0" err="1"/>
+              <a:t>api</a:t>
+            </a:r>
+            <a:r>
+              <a:rPr lang="en-IN" dirty="0"/>
+              <a:t> can used for printing fractional numbers </a:t>
+            </a:r>
+          </a:p>
+        </p:txBody>
+      </p:sp>
+      <p:sp>
+        <p:nvSpPr>
+          <p:cNvPr id="3" name="TextBox 2">
+            <a:extLst>
+              <a:ext uri="{FF2B5EF4-FFF2-40B4-BE49-F238E27FC236}">
+                <a16:creationId xmlns:a16="http://schemas.microsoft.com/office/drawing/2014/main" id="{05059BFE-8DE0-454D-8F9F-BC32E4F4C488}"/>
+              </a:ext>
+            </a:extLst>
+          </p:cNvPr>
+          <p:cNvSpPr txBox="1"/>
+          <p:nvPr/>
+        </p:nvSpPr>
+        <p:spPr>
+          <a:xfrm>
+            <a:off x="646111" y="1824006"/>
+            <a:ext cx="5135711" cy="4801314"/>
+          </a:xfrm>
+          <a:prstGeom prst="rect">
+            <a:avLst/>
+          </a:prstGeom>
+          <a:noFill/>
+          <a:ln>
+            <a:solidFill>
+              <a:srgbClr val="FF0000"/>
+            </a:solidFill>
+          </a:ln>
+        </p:spPr>
+        <p:txBody>
+          <a:bodyPr wrap="square" rtlCol="0">
+            <a:spAutoFit/>
+          </a:bodyPr>
+          <a:lstStyle/>
+          <a:p>
+            <a:r>
+              <a:rPr lang="en-IN" dirty="0" err="1"/>
+              <a:t>frac</a:t>
+            </a:r>
+            <a:r>
+              <a:rPr lang="en-IN" dirty="0"/>
+              <a:t> = 0.142345</a:t>
+            </a:r>
+          </a:p>
+          <a:p>
+            <a:endParaRPr lang="en-IN" dirty="0"/>
+          </a:p>
+          <a:p>
+            <a:r>
+              <a:rPr lang="en-IN" dirty="0" err="1"/>
+              <a:t>msg</a:t>
+            </a:r>
+            <a:r>
+              <a:rPr lang="en-IN" dirty="0"/>
+              <a:t> = "The value is {0:.5f}".format(</a:t>
+            </a:r>
+            <a:r>
+              <a:rPr lang="en-IN" dirty="0" err="1"/>
+              <a:t>frac</a:t>
+            </a:r>
+            <a:r>
+              <a:rPr lang="en-IN" dirty="0"/>
+              <a:t>)</a:t>
+            </a:r>
+          </a:p>
+          <a:p>
+            <a:r>
+              <a:rPr lang="en-IN" dirty="0"/>
+              <a:t>print </a:t>
+            </a:r>
+            <a:r>
+              <a:rPr lang="en-IN" dirty="0" err="1"/>
+              <a:t>msg</a:t>
+            </a:r>
+            <a:endParaRPr lang="en-IN" dirty="0"/>
+          </a:p>
+          <a:p>
+            <a:r>
+              <a:rPr lang="en-IN" dirty="0" err="1"/>
+              <a:t>msg</a:t>
+            </a:r>
+            <a:r>
+              <a:rPr lang="en-IN" dirty="0"/>
+              <a:t> = "The value is {0:.4f}".format(</a:t>
+            </a:r>
+            <a:r>
+              <a:rPr lang="en-IN" dirty="0" err="1"/>
+              <a:t>frac</a:t>
+            </a:r>
+            <a:r>
+              <a:rPr lang="en-IN" dirty="0"/>
+              <a:t>)</a:t>
+            </a:r>
+          </a:p>
+          <a:p>
+            <a:r>
+              <a:rPr lang="en-IN" dirty="0"/>
+              <a:t>print </a:t>
+            </a:r>
+            <a:r>
+              <a:rPr lang="en-IN" dirty="0" err="1"/>
+              <a:t>msg</a:t>
+            </a:r>
+            <a:endParaRPr lang="en-IN" dirty="0"/>
+          </a:p>
+          <a:p>
+            <a:r>
+              <a:rPr lang="en-IN" dirty="0" err="1"/>
+              <a:t>msg</a:t>
+            </a:r>
+            <a:r>
+              <a:rPr lang="en-IN" dirty="0"/>
+              <a:t> = "The value is {0:.3f}".format(</a:t>
+            </a:r>
+            <a:r>
+              <a:rPr lang="en-IN" dirty="0" err="1"/>
+              <a:t>frac</a:t>
+            </a:r>
+            <a:r>
+              <a:rPr lang="en-IN" dirty="0"/>
+              <a:t>)</a:t>
+            </a:r>
+          </a:p>
+          <a:p>
+            <a:r>
+              <a:rPr lang="en-IN" dirty="0"/>
+              <a:t>print </a:t>
+            </a:r>
+            <a:r>
+              <a:rPr lang="en-IN" dirty="0" err="1"/>
+              <a:t>msg</a:t>
+            </a:r>
+            <a:endParaRPr lang="en-IN" dirty="0"/>
+          </a:p>
+          <a:p>
+            <a:r>
+              <a:rPr lang="en-IN" dirty="0" err="1"/>
+              <a:t>msg</a:t>
+            </a:r>
+            <a:r>
+              <a:rPr lang="en-IN" dirty="0"/>
+              <a:t> = "The value is {0:.2f}".format(</a:t>
+            </a:r>
+            <a:r>
+              <a:rPr lang="en-IN" dirty="0" err="1"/>
+              <a:t>frac</a:t>
+            </a:r>
+            <a:r>
+              <a:rPr lang="en-IN" dirty="0"/>
+              <a:t>)</a:t>
+            </a:r>
+          </a:p>
+          <a:p>
+            <a:r>
+              <a:rPr lang="en-IN" dirty="0"/>
+              <a:t>print </a:t>
+            </a:r>
+            <a:r>
+              <a:rPr lang="en-IN" dirty="0" err="1"/>
+              <a:t>msg</a:t>
+            </a:r>
+            <a:endParaRPr lang="en-IN" dirty="0"/>
+          </a:p>
+          <a:p>
+            <a:r>
+              <a:rPr lang="en-IN" dirty="0" err="1"/>
+              <a:t>msg</a:t>
+            </a:r>
+            <a:r>
+              <a:rPr lang="en-IN" dirty="0"/>
+              <a:t> = "The value is {0:.1f}".format(</a:t>
+            </a:r>
+            <a:r>
+              <a:rPr lang="en-IN" dirty="0" err="1"/>
+              <a:t>frac</a:t>
+            </a:r>
+            <a:r>
+              <a:rPr lang="en-IN" dirty="0"/>
+              <a:t>)</a:t>
+            </a:r>
+          </a:p>
+          <a:p>
+            <a:r>
+              <a:rPr lang="en-IN" dirty="0"/>
+              <a:t>print </a:t>
+            </a:r>
+            <a:r>
+              <a:rPr lang="en-IN" dirty="0" err="1"/>
+              <a:t>msg</a:t>
+            </a:r>
+            <a:endParaRPr lang="en-IN" dirty="0"/>
+          </a:p>
+          <a:p>
+            <a:r>
+              <a:rPr lang="en-IN" dirty="0" err="1"/>
+              <a:t>msg</a:t>
+            </a:r>
+            <a:r>
+              <a:rPr lang="en-IN" dirty="0"/>
+              <a:t> = "The value is {0:.0f}".format(</a:t>
+            </a:r>
+            <a:r>
+              <a:rPr lang="en-IN" dirty="0" err="1"/>
+              <a:t>frac</a:t>
+            </a:r>
+            <a:r>
+              <a:rPr lang="en-IN" dirty="0"/>
+              <a:t>)</a:t>
+            </a:r>
+          </a:p>
+          <a:p>
+            <a:r>
+              <a:rPr lang="en-IN" dirty="0"/>
+              <a:t>print </a:t>
+            </a:r>
+            <a:r>
+              <a:rPr lang="en-IN" dirty="0" err="1"/>
+              <a:t>msg</a:t>
+            </a:r>
+            <a:endParaRPr lang="en-IN" dirty="0"/>
+          </a:p>
+          <a:p>
+            <a:r>
+              <a:rPr lang="en-IN" dirty="0" err="1"/>
+              <a:t>frac</a:t>
+            </a:r>
+            <a:r>
+              <a:rPr lang="en-IN" dirty="0"/>
+              <a:t> = 3.142345</a:t>
+            </a:r>
+          </a:p>
+          <a:p>
+            <a:r>
+              <a:rPr lang="en-IN" dirty="0" err="1"/>
+              <a:t>msg</a:t>
+            </a:r>
+            <a:r>
+              <a:rPr lang="en-IN" dirty="0"/>
+              <a:t> = "The value is {0:.5f}".format(</a:t>
+            </a:r>
+            <a:r>
+              <a:rPr lang="en-IN" dirty="0" err="1"/>
+              <a:t>frac</a:t>
+            </a:r>
+            <a:r>
+              <a:rPr lang="en-IN" dirty="0"/>
+              <a:t>)</a:t>
+            </a:r>
+          </a:p>
+          <a:p>
+            <a:r>
+              <a:rPr lang="en-IN" dirty="0"/>
+              <a:t>print </a:t>
+            </a:r>
+            <a:r>
+              <a:rPr lang="en-IN" dirty="0" err="1"/>
+              <a:t>msg</a:t>
+            </a:r>
+            <a:endParaRPr lang="en-IN" dirty="0"/>
+          </a:p>
+        </p:txBody>
+      </p:sp>
+      <p:sp>
+        <p:nvSpPr>
+          <p:cNvPr id="5" name="Rectangle: Rounded Corners 4">
+            <a:extLst>
+              <a:ext uri="{FF2B5EF4-FFF2-40B4-BE49-F238E27FC236}">
+                <a16:creationId xmlns:a16="http://schemas.microsoft.com/office/drawing/2014/main" id="{9DEEF2C1-A9FA-45C1-97AC-3BBB050C2546}"/>
+              </a:ext>
+            </a:extLst>
+          </p:cNvPr>
+          <p:cNvSpPr/>
+          <p:nvPr/>
+        </p:nvSpPr>
+        <p:spPr>
+          <a:xfrm>
+            <a:off x="7071358" y="2231155"/>
+            <a:ext cx="5008098" cy="4168519"/>
+          </a:xfrm>
+          <a:prstGeom prst="roundRect">
+            <a:avLst/>
+          </a:prstGeom>
+        </p:spPr>
+        <p:style>
+          <a:lnRef idx="2">
+            <a:schemeClr val="accent1">
+              <a:shade val="50000"/>
+            </a:schemeClr>
+          </a:lnRef>
+          <a:fillRef idx="1">
+            <a:schemeClr val="accent1"/>
+          </a:fillRef>
+          <a:effectRef idx="0">
+            <a:schemeClr val="accent1"/>
+          </a:effectRef>
+          <a:fontRef idx="minor">
+            <a:schemeClr val="lt1"/>
+          </a:fontRef>
+        </p:style>
+        <p:txBody>
+          <a:bodyPr rtlCol="0" anchor="ctr"/>
+          <a:lstStyle/>
+          <a:p>
+            <a:r>
+              <a:rPr lang="en-IN" sz="2400" dirty="0"/>
+              <a:t>The value is 0.14234</a:t>
+            </a:r>
+          </a:p>
+          <a:p>
+            <a:r>
+              <a:rPr lang="en-IN" sz="2400" dirty="0"/>
+              <a:t>The value is 0.1423</a:t>
+            </a:r>
+          </a:p>
+          <a:p>
+            <a:r>
+              <a:rPr lang="en-IN" sz="2400" dirty="0"/>
+              <a:t>The value is 0.142</a:t>
+            </a:r>
+          </a:p>
+          <a:p>
+            <a:r>
+              <a:rPr lang="en-IN" sz="2400" dirty="0"/>
+              <a:t>The value is 0.14</a:t>
+            </a:r>
+          </a:p>
+          <a:p>
+            <a:r>
+              <a:rPr lang="en-IN" sz="2400" dirty="0"/>
+              <a:t>The value is 0.1</a:t>
+            </a:r>
+          </a:p>
+          <a:p>
+            <a:r>
+              <a:rPr lang="en-IN" sz="2400" dirty="0"/>
+              <a:t>The value is 0</a:t>
+            </a:r>
+          </a:p>
+          <a:p>
+            <a:r>
+              <a:rPr lang="en-IN" sz="2400" dirty="0"/>
+              <a:t>The value is 3.14235</a:t>
+            </a:r>
+          </a:p>
+          <a:p>
+            <a:endParaRPr lang="en-IN" sz="2400" dirty="0"/>
+          </a:p>
+        </p:txBody>
+      </p:sp>
+      <p:sp>
+        <p:nvSpPr>
+          <p:cNvPr id="6" name="Arrow: Right 5">
+            <a:extLst>
+              <a:ext uri="{FF2B5EF4-FFF2-40B4-BE49-F238E27FC236}">
+                <a16:creationId xmlns:a16="http://schemas.microsoft.com/office/drawing/2014/main" id="{0C7D3EF4-A928-4F87-A8A1-3E6773129F6B}"/>
+              </a:ext>
+            </a:extLst>
+          </p:cNvPr>
+          <p:cNvSpPr/>
+          <p:nvPr/>
+        </p:nvSpPr>
+        <p:spPr>
+          <a:xfrm>
+            <a:off x="5786512" y="4121835"/>
+            <a:ext cx="1247336" cy="379827"/>
+          </a:xfrm>
+          <a:prstGeom prst="rightArrow">
+            <a:avLst/>
+          </a:prstGeom>
+          <a:solidFill>
+            <a:srgbClr val="FFFF00"/>
+          </a:solidFill>
+        </p:spPr>
+        <p:style>
+          <a:lnRef idx="2">
+            <a:schemeClr val="accent1">
+              <a:shade val="50000"/>
+            </a:schemeClr>
+          </a:lnRef>
+          <a:fillRef idx="1">
+            <a:schemeClr val="accent1"/>
+          </a:fillRef>
+          <a:effectRef idx="0">
+            <a:schemeClr val="accent1"/>
+          </a:effectRef>
+          <a:fontRef idx="minor">
+            <a:schemeClr val="lt1"/>
+          </a:fontRef>
+        </p:style>
+        <p:txBody>
+          <a:bodyPr rtlCol="0" anchor="ctr"/>
+          <a:lstStyle/>
+          <a:p>
+            <a:pPr algn="ctr"/>
+            <a:endParaRPr lang="en-IN"/>
+          </a:p>
+        </p:txBody>
+      </p:sp>
+    </p:spTree>
+    <p:extLst>
+      <p:ext uri="{BB962C8B-B14F-4D97-AF65-F5344CB8AC3E}">
+        <p14:creationId xmlns:p14="http://schemas.microsoft.com/office/powerpoint/2010/main" val="814504829"/>
+      </p:ext>
+    </p:extLst>
+  </p:cSld>
+  <p:clrMapOvr>
+    <a:masterClrMapping/>
+  </p:clrMapOvr>
+</p:sld>
+</file>
+
+<file path=ppt/slides/slide21.xml><?xml version="1.0" encoding="utf-8"?>
+<p:sld xmlns:a="http://schemas.openxmlformats.org/drawingml/2006/main" xmlns:r="http://schemas.openxmlformats.org/officeDocument/2006/relationships" xmlns:p="http://schemas.openxmlformats.org/presentationml/2006/main">
+  <p:cSld>
+    <p:spTree>
+      <p:nvGrpSpPr>
+        <p:cNvPr id="1" name=""/>
+        <p:cNvGrpSpPr/>
+        <p:nvPr/>
+      </p:nvGrpSpPr>
+      <p:grpSpPr>
+        <a:xfrm>
+          <a:off x="0" y="0"/>
+          <a:ext cx="0" cy="0"/>
+          <a:chOff x="0" y="0"/>
+          <a:chExt cx="0" cy="0"/>
+        </a:xfrm>
+      </p:grpSpPr>
+      <p:sp>
+        <p:nvSpPr>
+          <p:cNvPr id="2" name="Title 1">
+            <a:extLst>
+              <a:ext uri="{FF2B5EF4-FFF2-40B4-BE49-F238E27FC236}">
+                <a16:creationId xmlns:a16="http://schemas.microsoft.com/office/drawing/2014/main" id="{3FFA52C0-0B76-4815-BAB7-6269477C67A2}"/>
+              </a:ext>
+            </a:extLst>
+          </p:cNvPr>
+          <p:cNvSpPr>
+            <a:spLocks noGrp="1"/>
+          </p:cNvSpPr>
+          <p:nvPr>
+            <p:ph type="title"/>
+          </p:nvPr>
+        </p:nvSpPr>
+        <p:spPr>
+          <a:xfrm>
+            <a:off x="646111" y="452718"/>
+            <a:ext cx="9404723" cy="728968"/>
+          </a:xfrm>
+        </p:spPr>
+        <p:txBody>
+          <a:bodyPr/>
+          <a:lstStyle/>
+          <a:p>
+            <a:r>
+              <a:rPr lang="en-IN" sz="3600" dirty="0"/>
+              <a:t>Padding string with specified characters</a:t>
+            </a:r>
+          </a:p>
+        </p:txBody>
+      </p:sp>
+      <p:sp>
+        <p:nvSpPr>
+          <p:cNvPr id="3" name="TextBox 2">
+            <a:extLst>
+              <a:ext uri="{FF2B5EF4-FFF2-40B4-BE49-F238E27FC236}">
+                <a16:creationId xmlns:a16="http://schemas.microsoft.com/office/drawing/2014/main" id="{1A012CB0-5E3D-4F53-8FCB-175D53FDC05B}"/>
+              </a:ext>
+            </a:extLst>
+          </p:cNvPr>
+          <p:cNvSpPr txBox="1"/>
+          <p:nvPr/>
+        </p:nvSpPr>
+        <p:spPr>
+          <a:xfrm>
+            <a:off x="503589" y="1026941"/>
+            <a:ext cx="11397677" cy="646331"/>
+          </a:xfrm>
+          <a:prstGeom prst="rect">
+            <a:avLst/>
+          </a:prstGeom>
+          <a:noFill/>
+        </p:spPr>
+        <p:txBody>
+          <a:bodyPr wrap="square" rtlCol="0">
+            <a:spAutoFit/>
+          </a:bodyPr>
+          <a:lstStyle/>
+          <a:p>
+            <a:r>
+              <a:rPr lang="en-IN" dirty="0"/>
+              <a:t>Let us assume we need to attach set of characters on either side of key word and assign it to a string variable. There is a easy way to do this in python using format() API</a:t>
+            </a:r>
+          </a:p>
+        </p:txBody>
+      </p:sp>
+      <p:sp>
+        <p:nvSpPr>
+          <p:cNvPr id="4" name="TextBox 3">
+            <a:extLst>
+              <a:ext uri="{FF2B5EF4-FFF2-40B4-BE49-F238E27FC236}">
+                <a16:creationId xmlns:a16="http://schemas.microsoft.com/office/drawing/2014/main" id="{608D310D-6A85-4B30-A280-6987CC523457}"/>
+              </a:ext>
+            </a:extLst>
+          </p:cNvPr>
+          <p:cNvSpPr txBox="1"/>
+          <p:nvPr/>
+        </p:nvSpPr>
+        <p:spPr>
+          <a:xfrm>
+            <a:off x="281354" y="1673272"/>
+            <a:ext cx="4909624" cy="5016758"/>
+          </a:xfrm>
+          <a:prstGeom prst="rect">
+            <a:avLst/>
+          </a:prstGeom>
+          <a:noFill/>
+          <a:ln>
+            <a:solidFill>
+              <a:srgbClr val="FF0000"/>
+            </a:solidFill>
+          </a:ln>
+        </p:spPr>
+        <p:txBody>
+          <a:bodyPr wrap="square" rtlCol="0">
+            <a:spAutoFit/>
+          </a:bodyPr>
+          <a:lstStyle/>
+          <a:p>
+            <a:r>
+              <a:rPr lang="en-IN" sz="1600" dirty="0"/>
+              <a:t>#Victory as seven chars</a:t>
+            </a:r>
+          </a:p>
+          <a:p>
+            <a:r>
+              <a:rPr lang="en-IN" sz="1600" dirty="0"/>
+              <a:t># See how the underscores are padded with format specified</a:t>
+            </a:r>
+          </a:p>
+          <a:p>
+            <a:r>
+              <a:rPr lang="en-IN" sz="1600" dirty="0" err="1"/>
+              <a:t>myPattern</a:t>
+            </a:r>
+            <a:r>
+              <a:rPr lang="en-IN" sz="1600" dirty="0"/>
+              <a:t> =   '{0:*^6}'.format('Victory')</a:t>
+            </a:r>
+          </a:p>
+          <a:p>
+            <a:r>
+              <a:rPr lang="en-IN" sz="1600" dirty="0"/>
+              <a:t>print </a:t>
+            </a:r>
+            <a:r>
+              <a:rPr lang="en-IN" sz="1600" dirty="0" err="1"/>
+              <a:t>myPattern</a:t>
+            </a:r>
+            <a:endParaRPr lang="en-IN" sz="1600" dirty="0"/>
+          </a:p>
+          <a:p>
+            <a:endParaRPr lang="en-IN" sz="1600" dirty="0"/>
+          </a:p>
+          <a:p>
+            <a:r>
+              <a:rPr lang="en-IN" sz="1600" dirty="0" err="1"/>
+              <a:t>myPattern</a:t>
+            </a:r>
+            <a:r>
+              <a:rPr lang="en-IN" sz="1600" dirty="0"/>
+              <a:t> =   '{0:*^7}'.format('Victory')</a:t>
+            </a:r>
+          </a:p>
+          <a:p>
+            <a:r>
+              <a:rPr lang="en-IN" sz="1600" dirty="0"/>
+              <a:t>print </a:t>
+            </a:r>
+            <a:r>
+              <a:rPr lang="en-IN" sz="1600" dirty="0" err="1"/>
+              <a:t>myPattern</a:t>
+            </a:r>
+            <a:endParaRPr lang="en-IN" sz="1600" dirty="0"/>
+          </a:p>
+          <a:p>
+            <a:endParaRPr lang="en-IN" sz="1600" dirty="0"/>
+          </a:p>
+          <a:p>
+            <a:r>
+              <a:rPr lang="en-IN" sz="1600" dirty="0" err="1"/>
+              <a:t>myPattern</a:t>
+            </a:r>
+            <a:r>
+              <a:rPr lang="en-IN" sz="1600" dirty="0"/>
+              <a:t> =   '{0:*^8}'.format('Victory')</a:t>
+            </a:r>
+          </a:p>
+          <a:p>
+            <a:r>
+              <a:rPr lang="en-IN" sz="1600" dirty="0"/>
+              <a:t>print </a:t>
+            </a:r>
+            <a:r>
+              <a:rPr lang="en-IN" sz="1600" dirty="0" err="1"/>
+              <a:t>myPattern</a:t>
+            </a:r>
+            <a:endParaRPr lang="en-IN" sz="1600" dirty="0"/>
+          </a:p>
+          <a:p>
+            <a:endParaRPr lang="en-IN" sz="1600" dirty="0"/>
+          </a:p>
+          <a:p>
+            <a:r>
+              <a:rPr lang="en-IN" sz="1600" dirty="0" err="1"/>
+              <a:t>myPattern</a:t>
+            </a:r>
+            <a:r>
+              <a:rPr lang="en-IN" sz="1600" dirty="0"/>
+              <a:t> =   '{0:*^9}'.format('Victory')</a:t>
+            </a:r>
+          </a:p>
+          <a:p>
+            <a:r>
+              <a:rPr lang="en-IN" sz="1600" dirty="0"/>
+              <a:t>print </a:t>
+            </a:r>
+            <a:r>
+              <a:rPr lang="en-IN" sz="1600" dirty="0" err="1"/>
+              <a:t>myPattern</a:t>
+            </a:r>
+            <a:endParaRPr lang="en-IN" sz="1600" dirty="0"/>
+          </a:p>
+          <a:p>
+            <a:endParaRPr lang="en-IN" sz="1600" dirty="0"/>
+          </a:p>
+          <a:p>
+            <a:r>
+              <a:rPr lang="en-IN" sz="1600" dirty="0" err="1"/>
+              <a:t>myPattern</a:t>
+            </a:r>
+            <a:r>
+              <a:rPr lang="en-IN" sz="1600" dirty="0"/>
+              <a:t> =   '{0:*^10}'.format('Victory')</a:t>
+            </a:r>
+          </a:p>
+          <a:p>
+            <a:r>
+              <a:rPr lang="en-IN" sz="1600" dirty="0"/>
+              <a:t>print </a:t>
+            </a:r>
+            <a:r>
+              <a:rPr lang="en-IN" sz="1600" dirty="0" err="1"/>
+              <a:t>myPattern</a:t>
+            </a:r>
+            <a:endParaRPr lang="en-IN" sz="1600" dirty="0"/>
+          </a:p>
+          <a:p>
+            <a:endParaRPr lang="en-IN" sz="1600" dirty="0"/>
+          </a:p>
+          <a:p>
+            <a:r>
+              <a:rPr lang="en-IN" sz="1600" dirty="0" err="1"/>
+              <a:t>myPattern</a:t>
+            </a:r>
+            <a:r>
+              <a:rPr lang="en-IN" sz="1600" dirty="0"/>
+              <a:t> =   '{0:*^11}'.format('Victory')</a:t>
+            </a:r>
+          </a:p>
+          <a:p>
+            <a:r>
+              <a:rPr lang="en-IN" sz="1600" dirty="0"/>
+              <a:t>print </a:t>
+            </a:r>
+            <a:r>
+              <a:rPr lang="en-IN" sz="1600" dirty="0" err="1"/>
+              <a:t>myPattern</a:t>
+            </a:r>
+            <a:endParaRPr lang="en-IN" sz="1600" dirty="0"/>
+          </a:p>
+        </p:txBody>
+      </p:sp>
+      <p:sp>
+        <p:nvSpPr>
+          <p:cNvPr id="6" name="Rectangle: Rounded Corners 5">
+            <a:extLst>
+              <a:ext uri="{FF2B5EF4-FFF2-40B4-BE49-F238E27FC236}">
+                <a16:creationId xmlns:a16="http://schemas.microsoft.com/office/drawing/2014/main" id="{7AE8A680-690E-49C7-A608-8AD6E819AFF9}"/>
+              </a:ext>
+            </a:extLst>
+          </p:cNvPr>
+          <p:cNvSpPr/>
+          <p:nvPr/>
+        </p:nvSpPr>
+        <p:spPr>
+          <a:xfrm>
+            <a:off x="6096000" y="2058366"/>
+            <a:ext cx="5481711" cy="4346916"/>
+          </a:xfrm>
+          <a:prstGeom prst="roundRect">
+            <a:avLst/>
+          </a:prstGeom>
+          <a:solidFill>
+            <a:schemeClr val="bg1"/>
+          </a:solidFill>
+        </p:spPr>
+        <p:style>
+          <a:lnRef idx="2">
+            <a:schemeClr val="accent1">
+              <a:shade val="50000"/>
+            </a:schemeClr>
+          </a:lnRef>
+          <a:fillRef idx="1">
+            <a:schemeClr val="accent1"/>
+          </a:fillRef>
+          <a:effectRef idx="0">
+            <a:schemeClr val="accent1"/>
+          </a:effectRef>
+          <a:fontRef idx="minor">
+            <a:schemeClr val="lt1"/>
+          </a:fontRef>
+        </p:style>
+        <p:txBody>
+          <a:bodyPr rtlCol="0" anchor="ctr"/>
+          <a:lstStyle/>
+          <a:p>
+            <a:r>
+              <a:rPr lang="en-IN" sz="2400" b="1" dirty="0"/>
+              <a:t>Victory</a:t>
+            </a:r>
+          </a:p>
+          <a:p>
+            <a:r>
+              <a:rPr lang="en-IN" sz="2400" b="1" dirty="0"/>
+              <a:t>Victory</a:t>
+            </a:r>
+          </a:p>
+          <a:p>
+            <a:r>
+              <a:rPr lang="en-IN" sz="2400" b="1" dirty="0"/>
+              <a:t>Victory*</a:t>
+            </a:r>
+          </a:p>
+          <a:p>
+            <a:r>
+              <a:rPr lang="en-IN" sz="2400" b="1" dirty="0"/>
+              <a:t>*Victory*</a:t>
+            </a:r>
+          </a:p>
+          <a:p>
+            <a:r>
+              <a:rPr lang="en-IN" sz="2400" b="1" dirty="0"/>
+              <a:t>*Victory**</a:t>
+            </a:r>
+          </a:p>
+          <a:p>
+            <a:r>
+              <a:rPr lang="en-IN" sz="2400" b="1" dirty="0"/>
+              <a:t>**Victory**</a:t>
+            </a:r>
+          </a:p>
+          <a:p>
+            <a:r>
+              <a:rPr lang="en-IN" sz="2400" b="1" dirty="0" err="1"/>
+              <a:t>pi@arjuna</a:t>
+            </a:r>
+            <a:r>
+              <a:rPr lang="en-IN" sz="2400" b="1" dirty="0"/>
+              <a:t>:~/Python $</a:t>
+            </a:r>
+          </a:p>
+        </p:txBody>
+      </p:sp>
+    </p:spTree>
+    <p:extLst>
+      <p:ext uri="{BB962C8B-B14F-4D97-AF65-F5344CB8AC3E}">
+        <p14:creationId xmlns:p14="http://schemas.microsoft.com/office/powerpoint/2010/main" val="2840331392"/>
+      </p:ext>
+    </p:extLst>
+  </p:cSld>
+  <p:clrMapOvr>
+    <a:masterClrMapping/>
+  </p:clrMapOvr>
+</p:sld>
+</file>
+
+<file path=ppt/slides/slide22.xml><?xml version="1.0" encoding="utf-8"?>
+<p:sld xmlns:a="http://schemas.openxmlformats.org/drawingml/2006/main" xmlns:r="http://schemas.openxmlformats.org/officeDocument/2006/relationships" xmlns:p="http://schemas.openxmlformats.org/presentationml/2006/main">
+  <p:cSld>
+    <p:spTree>
+      <p:nvGrpSpPr>
+        <p:cNvPr id="1" name=""/>
+        <p:cNvGrpSpPr/>
+        <p:nvPr/>
+      </p:nvGrpSpPr>
+      <p:grpSpPr>
+        <a:xfrm>
+          <a:off x="0" y="0"/>
+          <a:ext cx="0" cy="0"/>
+          <a:chOff x="0" y="0"/>
+          <a:chExt cx="0" cy="0"/>
+        </a:xfrm>
+      </p:grpSpPr>
+      <p:sp>
+        <p:nvSpPr>
+          <p:cNvPr id="2" name="Title 1">
+            <a:extLst>
+              <a:ext uri="{FF2B5EF4-FFF2-40B4-BE49-F238E27FC236}">
+                <a16:creationId xmlns:a16="http://schemas.microsoft.com/office/drawing/2014/main" id="{40B38F33-5C6A-4AE5-8F2F-1F0A32F833A7}"/>
+              </a:ext>
+            </a:extLst>
+          </p:cNvPr>
+          <p:cNvSpPr>
+            <a:spLocks noGrp="1"/>
+          </p:cNvSpPr>
+          <p:nvPr>
+            <p:ph type="title"/>
+          </p:nvPr>
+        </p:nvSpPr>
+        <p:spPr>
+          <a:xfrm>
+            <a:off x="646111" y="452718"/>
+            <a:ext cx="9404723" cy="897780"/>
+          </a:xfrm>
+        </p:spPr>
+        <p:txBody>
+          <a:bodyPr/>
+          <a:lstStyle/>
+          <a:p>
+            <a:r>
+              <a:rPr lang="en-IN" dirty="0"/>
+              <a:t>Joining to two or more strings</a:t>
+            </a:r>
+          </a:p>
+        </p:txBody>
+      </p:sp>
+      <p:sp>
+        <p:nvSpPr>
+          <p:cNvPr id="3" name="TextBox 2">
+            <a:extLst>
+              <a:ext uri="{FF2B5EF4-FFF2-40B4-BE49-F238E27FC236}">
+                <a16:creationId xmlns:a16="http://schemas.microsoft.com/office/drawing/2014/main" id="{2AB5F28D-6802-4830-832B-100C77C027BC}"/>
+              </a:ext>
+            </a:extLst>
+          </p:cNvPr>
+          <p:cNvSpPr txBox="1"/>
+          <p:nvPr/>
+        </p:nvSpPr>
+        <p:spPr>
+          <a:xfrm>
+            <a:off x="478301" y="1617785"/>
+            <a:ext cx="11000936" cy="923330"/>
+          </a:xfrm>
+          <a:prstGeom prst="rect">
+            <a:avLst/>
+          </a:prstGeom>
+          <a:noFill/>
+          <a:ln>
+            <a:solidFill>
+              <a:srgbClr val="FF0000"/>
+            </a:solidFill>
+          </a:ln>
+        </p:spPr>
+        <p:txBody>
+          <a:bodyPr wrap="square" rtlCol="0">
+            <a:spAutoFit/>
+          </a:bodyPr>
+          <a:lstStyle/>
+          <a:p>
+            <a:r>
+              <a:rPr lang="en-IN" dirty="0"/>
+              <a:t>Just like we add two number using the + operators, we can join two strings using + operator this is called concatenation. In Python when + operator is used with string it joins the string to form a single string.</a:t>
+            </a:r>
+          </a:p>
+        </p:txBody>
+      </p:sp>
+      <p:sp>
+        <p:nvSpPr>
+          <p:cNvPr id="4" name="TextBox 3">
+            <a:extLst>
+              <a:ext uri="{FF2B5EF4-FFF2-40B4-BE49-F238E27FC236}">
+                <a16:creationId xmlns:a16="http://schemas.microsoft.com/office/drawing/2014/main" id="{F911452A-E4A5-44F1-A469-8826E1ADE523}"/>
+              </a:ext>
+            </a:extLst>
+          </p:cNvPr>
+          <p:cNvSpPr txBox="1"/>
+          <p:nvPr/>
+        </p:nvSpPr>
+        <p:spPr>
+          <a:xfrm>
+            <a:off x="478301" y="3066757"/>
+            <a:ext cx="8750105" cy="1754326"/>
+          </a:xfrm>
+          <a:prstGeom prst="rect">
+            <a:avLst/>
+          </a:prstGeom>
+          <a:noFill/>
+          <a:ln>
+            <a:solidFill>
+              <a:srgbClr val="FF0000"/>
+            </a:solidFill>
+          </a:ln>
+        </p:spPr>
+        <p:txBody>
+          <a:bodyPr wrap="square" rtlCol="0">
+            <a:spAutoFit/>
+          </a:bodyPr>
+          <a:lstStyle/>
+          <a:p>
+            <a:r>
+              <a:rPr lang="en-IN" dirty="0"/>
+              <a:t>hobby  = "Reading"</a:t>
+            </a:r>
+          </a:p>
+          <a:p>
+            <a:r>
+              <a:rPr lang="en-IN" dirty="0"/>
+              <a:t>name = "Vipin"</a:t>
+            </a:r>
+          </a:p>
+          <a:p>
+            <a:r>
+              <a:rPr lang="en-IN" dirty="0"/>
+              <a:t>age = 10</a:t>
+            </a:r>
+          </a:p>
+          <a:p>
+            <a:r>
+              <a:rPr lang="en-IN" dirty="0" err="1"/>
+              <a:t>msg</a:t>
+            </a:r>
+            <a:r>
+              <a:rPr lang="en-IN" dirty="0"/>
+              <a:t> = 'At the age of ' + </a:t>
+            </a:r>
+            <a:r>
+              <a:rPr lang="en-IN" dirty="0" err="1"/>
+              <a:t>str</a:t>
+            </a:r>
+            <a:r>
+              <a:rPr lang="en-IN" dirty="0"/>
+              <a:t>(age) + ' '+ name + 's ' + '</a:t>
+            </a:r>
+            <a:r>
+              <a:rPr lang="en-IN" dirty="0" err="1"/>
+              <a:t>passtime</a:t>
+            </a:r>
+            <a:r>
+              <a:rPr lang="en-IN" dirty="0"/>
+              <a:t>  is ' + hobby</a:t>
+            </a:r>
+          </a:p>
+          <a:p>
+            <a:r>
+              <a:rPr lang="en-IN" dirty="0"/>
+              <a:t>print </a:t>
+            </a:r>
+            <a:r>
+              <a:rPr lang="en-IN" dirty="0" err="1"/>
+              <a:t>msg</a:t>
+            </a:r>
+            <a:endParaRPr lang="en-IN" dirty="0"/>
+          </a:p>
+          <a:p>
+            <a:endParaRPr lang="en-IN" dirty="0"/>
+          </a:p>
+        </p:txBody>
+      </p:sp>
+      <p:sp>
+        <p:nvSpPr>
+          <p:cNvPr id="5" name="Rectangle: Rounded Corners 4">
+            <a:extLst>
+              <a:ext uri="{FF2B5EF4-FFF2-40B4-BE49-F238E27FC236}">
+                <a16:creationId xmlns:a16="http://schemas.microsoft.com/office/drawing/2014/main" id="{8CA3AAB6-BF9A-4005-AF5D-B36FB2837883}"/>
+              </a:ext>
+            </a:extLst>
+          </p:cNvPr>
+          <p:cNvSpPr/>
+          <p:nvPr/>
+        </p:nvSpPr>
+        <p:spPr>
+          <a:xfrm>
+            <a:off x="1491175" y="5623724"/>
+            <a:ext cx="8559659" cy="1069145"/>
+          </a:xfrm>
+          <a:prstGeom prst="roundRect">
+            <a:avLst/>
+          </a:prstGeom>
+          <a:solidFill>
+            <a:schemeClr val="bg1"/>
+          </a:solidFill>
+        </p:spPr>
+        <p:style>
+          <a:lnRef idx="2">
+            <a:schemeClr val="accent1">
+              <a:shade val="50000"/>
+            </a:schemeClr>
+          </a:lnRef>
+          <a:fillRef idx="1">
+            <a:schemeClr val="accent1"/>
+          </a:fillRef>
+          <a:effectRef idx="0">
+            <a:schemeClr val="accent1"/>
+          </a:effectRef>
+          <a:fontRef idx="minor">
+            <a:schemeClr val="lt1"/>
+          </a:fontRef>
+        </p:style>
+        <p:txBody>
+          <a:bodyPr rtlCol="0" anchor="ctr"/>
+          <a:lstStyle/>
+          <a:p>
+            <a:r>
+              <a:rPr lang="en-IN" b="1" dirty="0"/>
+              <a:t>At the age of 10 </a:t>
+            </a:r>
+            <a:r>
+              <a:rPr lang="en-IN" b="1" dirty="0" err="1"/>
+              <a:t>Vipins</a:t>
+            </a:r>
+            <a:r>
+              <a:rPr lang="en-IN" b="1" dirty="0"/>
+              <a:t> </a:t>
+            </a:r>
+            <a:r>
+              <a:rPr lang="en-IN" b="1" dirty="0" err="1"/>
+              <a:t>passtime</a:t>
+            </a:r>
+            <a:r>
+              <a:rPr lang="en-IN" b="1" dirty="0"/>
+              <a:t>  is Reading</a:t>
+            </a:r>
+          </a:p>
+        </p:txBody>
+      </p:sp>
+      <p:sp>
+        <p:nvSpPr>
+          <p:cNvPr id="6" name="Arrow: Down 5">
+            <a:extLst>
+              <a:ext uri="{FF2B5EF4-FFF2-40B4-BE49-F238E27FC236}">
+                <a16:creationId xmlns:a16="http://schemas.microsoft.com/office/drawing/2014/main" id="{362B5209-DC67-427E-94DD-E5AC0C781763}"/>
+              </a:ext>
+            </a:extLst>
+          </p:cNvPr>
+          <p:cNvSpPr/>
+          <p:nvPr/>
+        </p:nvSpPr>
+        <p:spPr>
+          <a:xfrm>
+            <a:off x="5880295" y="5098082"/>
+            <a:ext cx="351693" cy="525642"/>
+          </a:xfrm>
+          <a:prstGeom prst="downArrow">
+            <a:avLst/>
+          </a:prstGeom>
+          <a:solidFill>
+            <a:srgbClr val="FFFF00"/>
+          </a:solidFill>
+        </p:spPr>
+        <p:style>
+          <a:lnRef idx="2">
+            <a:schemeClr val="accent1">
+              <a:shade val="50000"/>
+            </a:schemeClr>
+          </a:lnRef>
+          <a:fillRef idx="1">
+            <a:schemeClr val="accent1"/>
+          </a:fillRef>
+          <a:effectRef idx="0">
+            <a:schemeClr val="accent1"/>
+          </a:effectRef>
+          <a:fontRef idx="minor">
+            <a:schemeClr val="lt1"/>
+          </a:fontRef>
+        </p:style>
+        <p:txBody>
+          <a:bodyPr rtlCol="0" anchor="ctr"/>
+          <a:lstStyle/>
+          <a:p>
+            <a:pPr algn="ctr"/>
+            <a:endParaRPr lang="en-IN"/>
+          </a:p>
+        </p:txBody>
+      </p:sp>
+    </p:spTree>
+    <p:extLst>
+      <p:ext uri="{BB962C8B-B14F-4D97-AF65-F5344CB8AC3E}">
+        <p14:creationId xmlns:p14="http://schemas.microsoft.com/office/powerpoint/2010/main" val="2611686295"/>
+      </p:ext>
+    </p:extLst>
+  </p:cSld>
+  <p:clrMapOvr>
+    <a:masterClrMapping/>
+  </p:clrMapOvr>
+</p:sld>
+</file>
+
+<file path=ppt/slides/slide23.xml><?xml version="1.0" encoding="utf-8"?>
+<p:sld xmlns:a="http://schemas.openxmlformats.org/drawingml/2006/main" xmlns:r="http://schemas.openxmlformats.org/officeDocument/2006/relationships" xmlns:p="http://schemas.openxmlformats.org/presentationml/2006/main">
+  <p:cSld>
+    <p:spTree>
+      <p:nvGrpSpPr>
+        <p:cNvPr id="1" name=""/>
+        <p:cNvGrpSpPr/>
+        <p:nvPr/>
+      </p:nvGrpSpPr>
+      <p:grpSpPr>
+        <a:xfrm>
+          <a:off x="0" y="0"/>
+          <a:ext cx="0" cy="0"/>
+          <a:chOff x="0" y="0"/>
+          <a:chExt cx="0" cy="0"/>
+        </a:xfrm>
+      </p:grpSpPr>
+      <p:sp>
+        <p:nvSpPr>
+          <p:cNvPr id="3" name="TextBox 2">
+            <a:extLst>
+              <a:ext uri="{FF2B5EF4-FFF2-40B4-BE49-F238E27FC236}">
+                <a16:creationId xmlns:a16="http://schemas.microsoft.com/office/drawing/2014/main" id="{83192F66-E109-434E-86F1-A772DD73FB18}"/>
+              </a:ext>
+            </a:extLst>
+          </p:cNvPr>
+          <p:cNvSpPr txBox="1"/>
+          <p:nvPr/>
+        </p:nvSpPr>
+        <p:spPr>
+          <a:xfrm>
+            <a:off x="422031" y="759655"/>
+            <a:ext cx="9537895" cy="5632311"/>
+          </a:xfrm>
+          <a:prstGeom prst="rect">
+            <a:avLst/>
+          </a:prstGeom>
+          <a:noFill/>
+        </p:spPr>
+        <p:txBody>
+          <a:bodyPr wrap="square" rtlCol="0">
+            <a:spAutoFit/>
+          </a:bodyPr>
+          <a:lstStyle/>
+          <a:p>
+            <a:r>
+              <a:rPr lang="en-IN" dirty="0"/>
+              <a:t>In the previous example if we want to change to the output message as</a:t>
+            </a:r>
+          </a:p>
+          <a:p>
+            <a:endParaRPr lang="en-IN" dirty="0"/>
+          </a:p>
+          <a:p>
+            <a:r>
+              <a:rPr lang="en-IN" b="1" dirty="0"/>
+              <a:t>At the age of 10 Vipin’s </a:t>
+            </a:r>
+            <a:r>
+              <a:rPr lang="en-IN" b="1" dirty="0" err="1"/>
+              <a:t>passtime</a:t>
+            </a:r>
+            <a:r>
+              <a:rPr lang="en-IN" b="1" dirty="0"/>
+              <a:t>  is Reading</a:t>
+            </a:r>
+          </a:p>
+          <a:p>
+            <a:endParaRPr lang="en-IN" b="1" dirty="0"/>
+          </a:p>
+          <a:p>
+            <a:r>
+              <a:rPr lang="en-IN" b="1" dirty="0"/>
+              <a:t>We cannot insert a single quote like the following</a:t>
+            </a:r>
+          </a:p>
+          <a:p>
+            <a:endParaRPr lang="en-IN" b="1" dirty="0"/>
+          </a:p>
+          <a:p>
+            <a:r>
+              <a:rPr lang="en-IN" dirty="0" err="1"/>
+              <a:t>msg</a:t>
+            </a:r>
+            <a:r>
+              <a:rPr lang="en-IN" dirty="0"/>
+              <a:t> = 'At the age of ' + </a:t>
+            </a:r>
+            <a:r>
+              <a:rPr lang="en-IN" dirty="0" err="1"/>
+              <a:t>str</a:t>
+            </a:r>
+            <a:r>
+              <a:rPr lang="en-IN" dirty="0"/>
+              <a:t>(age) + ' '+ name + ‘’s ' + '</a:t>
+            </a:r>
+            <a:r>
+              <a:rPr lang="en-IN" dirty="0" err="1"/>
+              <a:t>passtime</a:t>
+            </a:r>
+            <a:r>
+              <a:rPr lang="en-IN" dirty="0"/>
+              <a:t>  is ' + hobby</a:t>
+            </a:r>
+          </a:p>
+          <a:p>
+            <a:endParaRPr lang="en-IN" b="1" dirty="0"/>
+          </a:p>
+          <a:p>
+            <a:r>
+              <a:rPr lang="en-IN" b="1" dirty="0"/>
+              <a:t>This will give a error because single quote has a different meaning. To solve this we tell python to treat the single quote as part of a string – This is called escape sequence </a:t>
+            </a:r>
+          </a:p>
+          <a:p>
+            <a:endParaRPr lang="en-IN" b="1" dirty="0"/>
+          </a:p>
+          <a:p>
+            <a:r>
+              <a:rPr lang="en-IN" dirty="0" err="1"/>
+              <a:t>msg</a:t>
+            </a:r>
+            <a:r>
+              <a:rPr lang="en-IN" dirty="0"/>
+              <a:t> = 'At the age of ' + </a:t>
+            </a:r>
+            <a:r>
+              <a:rPr lang="en-IN" dirty="0" err="1"/>
+              <a:t>str</a:t>
+            </a:r>
+            <a:r>
+              <a:rPr lang="en-IN" dirty="0"/>
+              <a:t>(age) + ' '+ name + ‘\’s ' + '</a:t>
+            </a:r>
+            <a:r>
+              <a:rPr lang="en-IN" dirty="0" err="1"/>
+              <a:t>passtime</a:t>
+            </a:r>
+            <a:r>
+              <a:rPr lang="en-IN" dirty="0"/>
+              <a:t>  is ' + hobby</a:t>
+            </a:r>
+          </a:p>
+          <a:p>
+            <a:endParaRPr lang="en-IN" dirty="0"/>
+          </a:p>
+          <a:p>
+            <a:r>
+              <a:rPr lang="en-IN" dirty="0"/>
+              <a:t>Backslash is used for this purpose.</a:t>
+            </a:r>
+          </a:p>
+          <a:p>
+            <a:endParaRPr lang="en-IN" dirty="0"/>
+          </a:p>
+          <a:p>
+            <a:r>
+              <a:rPr lang="en-IN" dirty="0"/>
+              <a:t>Alternatively we can create the string using double quote, in which case the single quote will be treated as a part of string</a:t>
+            </a:r>
+          </a:p>
+          <a:p>
+            <a:endParaRPr lang="en-IN" b="1" dirty="0"/>
+          </a:p>
+          <a:p>
+            <a:endParaRPr lang="en-IN" dirty="0"/>
+          </a:p>
+        </p:txBody>
+      </p:sp>
+    </p:spTree>
+    <p:extLst>
+      <p:ext uri="{BB962C8B-B14F-4D97-AF65-F5344CB8AC3E}">
+        <p14:creationId xmlns:p14="http://schemas.microsoft.com/office/powerpoint/2010/main" val="2368124440"/>
+      </p:ext>
+    </p:extLst>
+  </p:cSld>
+  <p:clrMapOvr>
+    <a:masterClrMapping/>
+  </p:clrMapOvr>
+</p:sld>
+</file>
+
+<file path=ppt/slides/slide24.xml><?xml version="1.0" encoding="utf-8"?>
+<p:sld xmlns:a="http://schemas.openxmlformats.org/drawingml/2006/main" xmlns:r="http://schemas.openxmlformats.org/officeDocument/2006/relationships" xmlns:p="http://schemas.openxmlformats.org/presentationml/2006/main">
+  <p:cSld>
+    <p:spTree>
+      <p:nvGrpSpPr>
+        <p:cNvPr id="1" name=""/>
+        <p:cNvGrpSpPr/>
+        <p:nvPr/>
+      </p:nvGrpSpPr>
+      <p:grpSpPr>
+        <a:xfrm>
+          <a:off x="0" y="0"/>
+          <a:ext cx="0" cy="0"/>
+          <a:chOff x="0" y="0"/>
+          <a:chExt cx="0" cy="0"/>
+        </a:xfrm>
+      </p:grpSpPr>
+      <p:sp>
+        <p:nvSpPr>
+          <p:cNvPr id="2" name="TextBox 1">
+            <a:extLst>
+              <a:ext uri="{FF2B5EF4-FFF2-40B4-BE49-F238E27FC236}">
+                <a16:creationId xmlns:a16="http://schemas.microsoft.com/office/drawing/2014/main" id="{A700B714-2AFE-440F-B84F-C8BD79C5EBE4}"/>
+              </a:ext>
+            </a:extLst>
+          </p:cNvPr>
+          <p:cNvSpPr txBox="1"/>
+          <p:nvPr/>
+        </p:nvSpPr>
+        <p:spPr>
+          <a:xfrm>
+            <a:off x="323556" y="112542"/>
+            <a:ext cx="10635175" cy="4524315"/>
+          </a:xfrm>
+          <a:prstGeom prst="rect">
+            <a:avLst/>
+          </a:prstGeom>
+          <a:noFill/>
+          <a:ln>
+            <a:solidFill>
+              <a:srgbClr val="FF0000"/>
+            </a:solidFill>
+          </a:ln>
+        </p:spPr>
+        <p:txBody>
+          <a:bodyPr wrap="square" rtlCol="0">
+            <a:spAutoFit/>
+          </a:bodyPr>
+          <a:lstStyle/>
+          <a:p>
+            <a:r>
+              <a:rPr lang="en-IN" dirty="0"/>
+              <a:t>hobby  = "Reading"</a:t>
+            </a:r>
+          </a:p>
+          <a:p>
+            <a:r>
+              <a:rPr lang="en-IN" dirty="0"/>
+              <a:t>name = "Vipin"</a:t>
+            </a:r>
+          </a:p>
+          <a:p>
+            <a:r>
+              <a:rPr lang="en-IN" dirty="0"/>
+              <a:t>age = 10</a:t>
+            </a:r>
+          </a:p>
+          <a:p>
+            <a:endParaRPr lang="en-IN" dirty="0"/>
+          </a:p>
+          <a:p>
+            <a:r>
+              <a:rPr lang="en-IN" dirty="0"/>
+              <a:t># Creating string using single quote</a:t>
+            </a:r>
+          </a:p>
+          <a:p>
+            <a:r>
+              <a:rPr lang="en-IN" dirty="0" err="1"/>
+              <a:t>msg</a:t>
+            </a:r>
+            <a:r>
+              <a:rPr lang="en-IN" dirty="0"/>
+              <a:t> = 'At the age of ' + </a:t>
+            </a:r>
+            <a:r>
+              <a:rPr lang="en-IN" dirty="0" err="1"/>
+              <a:t>str</a:t>
+            </a:r>
+            <a:r>
+              <a:rPr lang="en-IN" dirty="0"/>
+              <a:t>(age) + ' '+ name + 's ' + '</a:t>
+            </a:r>
+            <a:r>
+              <a:rPr lang="en-IN" dirty="0" err="1"/>
+              <a:t>passtime</a:t>
+            </a:r>
+            <a:r>
+              <a:rPr lang="en-IN" dirty="0"/>
+              <a:t>  is ' + hobby</a:t>
+            </a:r>
+          </a:p>
+          <a:p>
+            <a:r>
+              <a:rPr lang="en-IN" dirty="0"/>
+              <a:t>print </a:t>
+            </a:r>
+            <a:r>
+              <a:rPr lang="en-IN" dirty="0" err="1"/>
+              <a:t>msg</a:t>
+            </a:r>
+            <a:endParaRPr lang="en-IN" dirty="0"/>
+          </a:p>
+          <a:p>
+            <a:endParaRPr lang="en-IN" dirty="0"/>
+          </a:p>
+          <a:p>
+            <a:r>
+              <a:rPr lang="en-IN" dirty="0" err="1"/>
+              <a:t>msg</a:t>
+            </a:r>
+            <a:r>
+              <a:rPr lang="en-IN" dirty="0"/>
+              <a:t> = 'At the age of ' + </a:t>
+            </a:r>
+            <a:r>
+              <a:rPr lang="en-IN" dirty="0" err="1"/>
+              <a:t>str</a:t>
+            </a:r>
+            <a:r>
+              <a:rPr lang="en-IN" dirty="0"/>
+              <a:t>(age) + ' '+ name + '\'s ' + '</a:t>
+            </a:r>
+            <a:r>
+              <a:rPr lang="en-IN" dirty="0" err="1"/>
+              <a:t>passtime</a:t>
+            </a:r>
+            <a:r>
+              <a:rPr lang="en-IN" dirty="0"/>
+              <a:t>  is ' + hobby</a:t>
+            </a:r>
+          </a:p>
+          <a:p>
+            <a:r>
+              <a:rPr lang="en-IN" dirty="0"/>
+              <a:t>print </a:t>
+            </a:r>
+            <a:r>
+              <a:rPr lang="en-IN" dirty="0" err="1"/>
+              <a:t>msg</a:t>
+            </a:r>
+            <a:endParaRPr lang="en-IN" dirty="0"/>
+          </a:p>
+          <a:p>
+            <a:endParaRPr lang="en-IN" dirty="0"/>
+          </a:p>
+          <a:p>
+            <a:r>
+              <a:rPr lang="en-IN" dirty="0"/>
+              <a:t># Creating string using double quote</a:t>
+            </a:r>
+          </a:p>
+          <a:p>
+            <a:r>
+              <a:rPr lang="en-IN" dirty="0"/>
+              <a:t># WE do not have use escape sequence for the same problem</a:t>
+            </a:r>
+          </a:p>
+          <a:p>
+            <a:r>
+              <a:rPr lang="en-IN" dirty="0" err="1"/>
+              <a:t>msg</a:t>
+            </a:r>
+            <a:r>
+              <a:rPr lang="en-IN" dirty="0"/>
+              <a:t> = 'At the age of ' + </a:t>
+            </a:r>
+            <a:r>
+              <a:rPr lang="en-IN" dirty="0" err="1"/>
+              <a:t>str</a:t>
+            </a:r>
+            <a:r>
+              <a:rPr lang="en-IN" dirty="0"/>
+              <a:t>(age) + ' '+ name + "'s " + '</a:t>
+            </a:r>
+            <a:r>
+              <a:rPr lang="en-IN" dirty="0" err="1"/>
+              <a:t>passtime</a:t>
+            </a:r>
+            <a:r>
+              <a:rPr lang="en-IN" dirty="0"/>
+              <a:t>  is ' + hobby</a:t>
+            </a:r>
+          </a:p>
+          <a:p>
+            <a:r>
+              <a:rPr lang="en-IN" dirty="0"/>
+              <a:t>print </a:t>
+            </a:r>
+            <a:r>
+              <a:rPr lang="en-IN" dirty="0" err="1"/>
+              <a:t>msg</a:t>
+            </a:r>
+            <a:endParaRPr lang="en-IN" dirty="0"/>
+          </a:p>
+          <a:p>
+            <a:endParaRPr lang="en-IN" dirty="0"/>
+          </a:p>
+        </p:txBody>
+      </p:sp>
+      <p:sp>
+        <p:nvSpPr>
+          <p:cNvPr id="4" name="Rectangle: Rounded Corners 3">
+            <a:extLst>
+              <a:ext uri="{FF2B5EF4-FFF2-40B4-BE49-F238E27FC236}">
+                <a16:creationId xmlns:a16="http://schemas.microsoft.com/office/drawing/2014/main" id="{43AF74D4-F57A-4632-BFF5-AAFC06606763}"/>
+              </a:ext>
+            </a:extLst>
+          </p:cNvPr>
+          <p:cNvSpPr/>
+          <p:nvPr/>
+        </p:nvSpPr>
+        <p:spPr>
+          <a:xfrm>
+            <a:off x="436098" y="4839287"/>
+            <a:ext cx="10522633" cy="1631852"/>
+          </a:xfrm>
+          <a:prstGeom prst="roundRect">
+            <a:avLst/>
+          </a:prstGeom>
+          <a:solidFill>
+            <a:schemeClr val="bg1">
+              <a:lumMod val="75000"/>
+              <a:lumOff val="25000"/>
+            </a:schemeClr>
+          </a:solidFill>
+        </p:spPr>
+        <p:style>
+          <a:lnRef idx="2">
+            <a:schemeClr val="accent1">
+              <a:shade val="50000"/>
+            </a:schemeClr>
+          </a:lnRef>
+          <a:fillRef idx="1">
+            <a:schemeClr val="accent1"/>
+          </a:fillRef>
+          <a:effectRef idx="0">
+            <a:schemeClr val="accent1"/>
+          </a:effectRef>
+          <a:fontRef idx="minor">
+            <a:schemeClr val="lt1"/>
+          </a:fontRef>
+        </p:style>
+        <p:txBody>
+          <a:bodyPr rtlCol="0" anchor="ctr"/>
+          <a:lstStyle/>
+          <a:p>
+            <a:r>
+              <a:rPr lang="en-IN" dirty="0" err="1"/>
+              <a:t>pi@arjuna</a:t>
+            </a:r>
+            <a:r>
+              <a:rPr lang="en-IN" dirty="0"/>
+              <a:t>:~/Python $ python strcat.py</a:t>
+            </a:r>
+          </a:p>
+          <a:p>
+            <a:r>
+              <a:rPr lang="en-IN" dirty="0"/>
+              <a:t>At the age of 10 </a:t>
+            </a:r>
+            <a:r>
+              <a:rPr lang="en-IN" dirty="0" err="1"/>
+              <a:t>Vipins</a:t>
+            </a:r>
+            <a:r>
+              <a:rPr lang="en-IN" dirty="0"/>
+              <a:t> </a:t>
+            </a:r>
+            <a:r>
+              <a:rPr lang="en-IN" dirty="0" err="1"/>
+              <a:t>passtime</a:t>
+            </a:r>
+            <a:r>
+              <a:rPr lang="en-IN" dirty="0"/>
+              <a:t>  is Reading</a:t>
+            </a:r>
+          </a:p>
+          <a:p>
+            <a:r>
+              <a:rPr lang="en-IN" dirty="0"/>
+              <a:t>At the age of 10 Vipin's </a:t>
+            </a:r>
+            <a:r>
+              <a:rPr lang="en-IN" dirty="0" err="1"/>
+              <a:t>passtime</a:t>
+            </a:r>
+            <a:r>
+              <a:rPr lang="en-IN" dirty="0"/>
+              <a:t>  is Reading</a:t>
+            </a:r>
+          </a:p>
+          <a:p>
+            <a:r>
+              <a:rPr lang="en-IN" dirty="0"/>
+              <a:t>At the age of 10 Vipin's </a:t>
+            </a:r>
+            <a:r>
+              <a:rPr lang="en-IN" dirty="0" err="1"/>
+              <a:t>passtime</a:t>
+            </a:r>
+            <a:r>
+              <a:rPr lang="en-IN" dirty="0"/>
+              <a:t>  is Reading</a:t>
+            </a:r>
+          </a:p>
+          <a:p>
+            <a:r>
+              <a:rPr lang="en-IN" dirty="0" err="1"/>
+              <a:t>pi@arjuna</a:t>
+            </a:r>
+            <a:r>
+              <a:rPr lang="en-IN" dirty="0"/>
+              <a:t>:~/Python $ </a:t>
+            </a:r>
+          </a:p>
+        </p:txBody>
+      </p:sp>
+    </p:spTree>
+    <p:extLst>
+      <p:ext uri="{BB962C8B-B14F-4D97-AF65-F5344CB8AC3E}">
+        <p14:creationId xmlns:p14="http://schemas.microsoft.com/office/powerpoint/2010/main" val="3886468970"/>
       </p:ext>
     </p:extLst>
   </p:cSld>
